--- a/redis.pptx
+++ b/redis.pptx
@@ -6,9 +6,10 @@
   </p:sldMasterIdLst>
   <p:sldIdLst>
     <p:sldId id="256" r:id="rId2"/>
-    <p:sldId id="257" r:id="rId3"/>
-    <p:sldId id="258" r:id="rId4"/>
-    <p:sldId id="259" r:id="rId5"/>
+    <p:sldId id="260" r:id="rId3"/>
+    <p:sldId id="257" r:id="rId4"/>
+    <p:sldId id="258" r:id="rId5"/>
+    <p:sldId id="259" r:id="rId6"/>
   </p:sldIdLst>
   <p:sldSz cx="9144000" cy="6858000" type="screen4x3"/>
   <p:notesSz cx="6858000" cy="9144000"/>
@@ -291,7 +292,7 @@
           <a:p>
             <a:fld id="{530820CF-B880-4189-942D-D702A7CBA730}" type="datetimeFigureOut">
               <a:rPr lang="zh-CN" altLang="en-US" smtClean="0"/>
-              <a:t>2020/4/2</a:t>
+              <a:t>2020/4/7</a:t>
             </a:fld>
             <a:endParaRPr lang="zh-CN" altLang="en-US"/>
           </a:p>
@@ -456,7 +457,7 @@
           <a:p>
             <a:fld id="{530820CF-B880-4189-942D-D702A7CBA730}" type="datetimeFigureOut">
               <a:rPr lang="zh-CN" altLang="en-US" smtClean="0"/>
-              <a:t>2020/4/2</a:t>
+              <a:t>2020/4/7</a:t>
             </a:fld>
             <a:endParaRPr lang="zh-CN" altLang="en-US"/>
           </a:p>
@@ -631,7 +632,7 @@
           <a:p>
             <a:fld id="{530820CF-B880-4189-942D-D702A7CBA730}" type="datetimeFigureOut">
               <a:rPr lang="zh-CN" altLang="en-US" smtClean="0"/>
-              <a:t>2020/4/2</a:t>
+              <a:t>2020/4/7</a:t>
             </a:fld>
             <a:endParaRPr lang="zh-CN" altLang="en-US"/>
           </a:p>
@@ -796,7 +797,7 @@
           <a:p>
             <a:fld id="{530820CF-B880-4189-942D-D702A7CBA730}" type="datetimeFigureOut">
               <a:rPr lang="zh-CN" altLang="en-US" smtClean="0"/>
-              <a:t>2020/4/2</a:t>
+              <a:t>2020/4/7</a:t>
             </a:fld>
             <a:endParaRPr lang="zh-CN" altLang="en-US"/>
           </a:p>
@@ -1037,7 +1038,7 @@
           <a:p>
             <a:fld id="{530820CF-B880-4189-942D-D702A7CBA730}" type="datetimeFigureOut">
               <a:rPr lang="zh-CN" altLang="en-US" smtClean="0"/>
-              <a:t>2020/4/2</a:t>
+              <a:t>2020/4/7</a:t>
             </a:fld>
             <a:endParaRPr lang="zh-CN" altLang="en-US"/>
           </a:p>
@@ -1320,7 +1321,7 @@
           <a:p>
             <a:fld id="{530820CF-B880-4189-942D-D702A7CBA730}" type="datetimeFigureOut">
               <a:rPr lang="zh-CN" altLang="en-US" smtClean="0"/>
-              <a:t>2020/4/2</a:t>
+              <a:t>2020/4/7</a:t>
             </a:fld>
             <a:endParaRPr lang="zh-CN" altLang="en-US"/>
           </a:p>
@@ -1737,7 +1738,7 @@
           <a:p>
             <a:fld id="{530820CF-B880-4189-942D-D702A7CBA730}" type="datetimeFigureOut">
               <a:rPr lang="zh-CN" altLang="en-US" smtClean="0"/>
-              <a:t>2020/4/2</a:t>
+              <a:t>2020/4/7</a:t>
             </a:fld>
             <a:endParaRPr lang="zh-CN" altLang="en-US"/>
           </a:p>
@@ -1850,7 +1851,7 @@
           <a:p>
             <a:fld id="{530820CF-B880-4189-942D-D702A7CBA730}" type="datetimeFigureOut">
               <a:rPr lang="zh-CN" altLang="en-US" smtClean="0"/>
-              <a:t>2020/4/2</a:t>
+              <a:t>2020/4/7</a:t>
             </a:fld>
             <a:endParaRPr lang="zh-CN" altLang="en-US"/>
           </a:p>
@@ -1940,7 +1941,7 @@
           <a:p>
             <a:fld id="{530820CF-B880-4189-942D-D702A7CBA730}" type="datetimeFigureOut">
               <a:rPr lang="zh-CN" altLang="en-US" smtClean="0"/>
-              <a:t>2020/4/2</a:t>
+              <a:t>2020/4/7</a:t>
             </a:fld>
             <a:endParaRPr lang="zh-CN" altLang="en-US"/>
           </a:p>
@@ -2212,7 +2213,7 @@
           <a:p>
             <a:fld id="{530820CF-B880-4189-942D-D702A7CBA730}" type="datetimeFigureOut">
               <a:rPr lang="zh-CN" altLang="en-US" smtClean="0"/>
-              <a:t>2020/4/2</a:t>
+              <a:t>2020/4/7</a:t>
             </a:fld>
             <a:endParaRPr lang="zh-CN" altLang="en-US"/>
           </a:p>
@@ -2460,7 +2461,7 @@
           <a:p>
             <a:fld id="{530820CF-B880-4189-942D-D702A7CBA730}" type="datetimeFigureOut">
               <a:rPr lang="zh-CN" altLang="en-US" smtClean="0"/>
-              <a:t>2020/4/2</a:t>
+              <a:t>2020/4/7</a:t>
             </a:fld>
             <a:endParaRPr lang="zh-CN" altLang="en-US"/>
           </a:p>
@@ -2668,7 +2669,7 @@
           <a:p>
             <a:fld id="{530820CF-B880-4189-942D-D702A7CBA730}" type="datetimeFigureOut">
               <a:rPr lang="zh-CN" altLang="en-US" smtClean="0"/>
-              <a:t>2020/4/2</a:t>
+              <a:t>2020/4/7</a:t>
             </a:fld>
             <a:endParaRPr lang="zh-CN" altLang="en-US"/>
           </a:p>
@@ -3055,7 +3056,11 @@
           <a:p>
             <a:r>
               <a:rPr lang="en-US" altLang="zh-CN" dirty="0" err="1" smtClean="0"/>
-              <a:t>redis</a:t>
+              <a:t>Redis</a:t>
+            </a:r>
+            <a:r>
+              <a:rPr lang="zh-CN" altLang="en-US" dirty="0" smtClean="0"/>
+              <a:t>集群安装手册</a:t>
             </a:r>
             <a:endParaRPr lang="zh-CN" altLang="en-US" dirty="0"/>
           </a:p>
@@ -3131,7 +3136,7 @@
             </a:r>
             <a:r>
               <a:rPr lang="zh-CN" altLang="en-US" dirty="0" smtClean="0"/>
-              <a:t>安装</a:t>
+              <a:t>部署结构图</a:t>
             </a:r>
             <a:endParaRPr lang="zh-CN" altLang="en-US" dirty="0"/>
           </a:p>
@@ -3149,1332 +3154,20 @@
         </p:nvSpPr>
         <p:spPr/>
         <p:txBody>
-          <a:bodyPr>
-            <a:normAutofit fontScale="92500" lnSpcReduction="20000"/>
-          </a:bodyPr>
+          <a:bodyPr/>
           <a:lstStyle/>
           <a:p>
             <a:pPr marL="0" indent="0">
               <a:buNone/>
             </a:pPr>
-            <a:r>
-              <a:rPr lang="en-US" altLang="zh-CN" sz="1800" b="1" dirty="0" smtClean="0">
-                <a:latin typeface="微软雅黑" pitchFamily="34" charset="-122"/>
-                <a:ea typeface="微软雅黑" pitchFamily="34" charset="-122"/>
-              </a:rPr>
-              <a:t>1.</a:t>
-            </a:r>
-            <a:r>
-              <a:rPr lang="zh-CN" altLang="en-US" sz="1800" b="1" dirty="0" smtClean="0">
-                <a:latin typeface="微软雅黑" pitchFamily="34" charset="-122"/>
-                <a:ea typeface="微软雅黑" pitchFamily="34" charset="-122"/>
-              </a:rPr>
-              <a:t>单机安装</a:t>
-            </a:r>
-            <a:endParaRPr lang="en-US" altLang="zh-CN" sz="1800" b="1" dirty="0" smtClean="0">
-              <a:latin typeface="微软雅黑" pitchFamily="34" charset="-122"/>
-              <a:ea typeface="微软雅黑" pitchFamily="34" charset="-122"/>
-            </a:endParaRPr>
-          </a:p>
-          <a:p>
-            <a:pPr marL="0" indent="0">
-              <a:buNone/>
-            </a:pPr>
-            <a:r>
-              <a:rPr lang="zh-CN" altLang="en-US" sz="1200" dirty="0" smtClean="0">
-                <a:latin typeface="微软雅黑" pitchFamily="34" charset="-122"/>
-                <a:ea typeface="微软雅黑" pitchFamily="34" charset="-122"/>
-              </a:rPr>
-              <a:t>（</a:t>
-            </a:r>
-            <a:r>
-              <a:rPr lang="en-US" altLang="zh-CN" sz="1200" dirty="0" smtClean="0">
-                <a:latin typeface="微软雅黑" pitchFamily="34" charset="-122"/>
-                <a:ea typeface="微软雅黑" pitchFamily="34" charset="-122"/>
-              </a:rPr>
-              <a:t>1</a:t>
-            </a:r>
-            <a:r>
-              <a:rPr lang="zh-CN" altLang="en-US" sz="1200" dirty="0" smtClean="0">
-                <a:latin typeface="微软雅黑" pitchFamily="34" charset="-122"/>
-                <a:ea typeface="微软雅黑" pitchFamily="34" charset="-122"/>
-              </a:rPr>
-              <a:t>）安装</a:t>
-            </a:r>
-            <a:r>
-              <a:rPr lang="en-US" altLang="zh-CN" sz="1200" dirty="0" err="1" smtClean="0">
-                <a:latin typeface="微软雅黑" pitchFamily="34" charset="-122"/>
-                <a:ea typeface="微软雅黑" pitchFamily="34" charset="-122"/>
-              </a:rPr>
-              <a:t>gcc</a:t>
-            </a:r>
-            <a:r>
-              <a:rPr lang="en-US" altLang="zh-CN" sz="1200" dirty="0" smtClean="0">
-                <a:latin typeface="微软雅黑" pitchFamily="34" charset="-122"/>
-                <a:ea typeface="微软雅黑" pitchFamily="34" charset="-122"/>
-              </a:rPr>
-              <a:t>  </a:t>
-            </a:r>
-            <a:r>
-              <a:rPr lang="en-US" altLang="zh-CN" sz="1200" dirty="0">
-                <a:latin typeface="微软雅黑" pitchFamily="34" charset="-122"/>
-                <a:ea typeface="微软雅黑" pitchFamily="34" charset="-122"/>
-              </a:rPr>
-              <a:t>yum install </a:t>
-            </a:r>
-            <a:r>
-              <a:rPr lang="en-US" altLang="zh-CN" sz="1200" dirty="0" err="1">
-                <a:latin typeface="微软雅黑" pitchFamily="34" charset="-122"/>
-                <a:ea typeface="微软雅黑" pitchFamily="34" charset="-122"/>
-              </a:rPr>
-              <a:t>gcc-c</a:t>
-            </a:r>
-            <a:r>
-              <a:rPr lang="en-US" altLang="zh-CN" sz="1200" dirty="0">
-                <a:latin typeface="微软雅黑" pitchFamily="34" charset="-122"/>
-                <a:ea typeface="微软雅黑" pitchFamily="34" charset="-122"/>
-              </a:rPr>
-              <a:t>++</a:t>
-            </a:r>
-            <a:endParaRPr lang="en-US" altLang="zh-CN" sz="1200" dirty="0" smtClean="0">
-              <a:latin typeface="微软雅黑" pitchFamily="34" charset="-122"/>
-              <a:ea typeface="微软雅黑" pitchFamily="34" charset="-122"/>
-            </a:endParaRPr>
-          </a:p>
-          <a:p>
-            <a:pPr marL="0" indent="0">
-              <a:buNone/>
-            </a:pPr>
-            <a:r>
-              <a:rPr lang="zh-CN" altLang="en-US" sz="1200" dirty="0" smtClean="0">
-                <a:latin typeface="微软雅黑" pitchFamily="34" charset="-122"/>
-                <a:ea typeface="微软雅黑" pitchFamily="34" charset="-122"/>
-              </a:rPr>
-              <a:t>（</a:t>
-            </a:r>
-            <a:r>
-              <a:rPr lang="en-US" altLang="zh-CN" sz="1200" dirty="0" smtClean="0">
-                <a:latin typeface="微软雅黑" pitchFamily="34" charset="-122"/>
-                <a:ea typeface="微软雅黑" pitchFamily="34" charset="-122"/>
-              </a:rPr>
-              <a:t>2</a:t>
-            </a:r>
-            <a:r>
-              <a:rPr lang="zh-CN" altLang="en-US" sz="1200" dirty="0" smtClean="0">
-                <a:latin typeface="微软雅黑" pitchFamily="34" charset="-122"/>
-                <a:ea typeface="微软雅黑" pitchFamily="34" charset="-122"/>
-              </a:rPr>
-              <a:t>）创建</a:t>
-            </a:r>
-            <a:r>
-              <a:rPr lang="en-US" altLang="zh-CN" sz="1200" dirty="0" err="1" smtClean="0">
-                <a:latin typeface="微软雅黑" pitchFamily="34" charset="-122"/>
-                <a:ea typeface="微软雅黑" pitchFamily="34" charset="-122"/>
-              </a:rPr>
-              <a:t>redis</a:t>
-            </a:r>
-            <a:r>
-              <a:rPr lang="zh-CN" altLang="en-US" sz="1200" dirty="0" smtClean="0">
-                <a:latin typeface="微软雅黑" pitchFamily="34" charset="-122"/>
-                <a:ea typeface="微软雅黑" pitchFamily="34" charset="-122"/>
-              </a:rPr>
-              <a:t>目录 </a:t>
-            </a:r>
-            <a:r>
-              <a:rPr lang="en-US" altLang="zh-CN" sz="1200" dirty="0" err="1" smtClean="0">
-                <a:latin typeface="微软雅黑" pitchFamily="34" charset="-122"/>
-                <a:ea typeface="微软雅黑" pitchFamily="34" charset="-122"/>
-              </a:rPr>
-              <a:t>mkdir</a:t>
-            </a:r>
-            <a:r>
-              <a:rPr lang="en-US" altLang="zh-CN" sz="1200" dirty="0" smtClean="0">
-                <a:latin typeface="微软雅黑" pitchFamily="34" charset="-122"/>
-                <a:ea typeface="微软雅黑" pitchFamily="34" charset="-122"/>
-              </a:rPr>
-              <a:t> /</a:t>
-            </a:r>
-            <a:r>
-              <a:rPr lang="en-US" altLang="zh-CN" sz="1200" dirty="0" err="1" smtClean="0">
-                <a:latin typeface="微软雅黑" pitchFamily="34" charset="-122"/>
-                <a:ea typeface="微软雅黑" pitchFamily="34" charset="-122"/>
-              </a:rPr>
-              <a:t>usr</a:t>
-            </a:r>
-            <a:r>
-              <a:rPr lang="en-US" altLang="zh-CN" sz="1200" dirty="0" smtClean="0">
-                <a:latin typeface="微软雅黑" pitchFamily="34" charset="-122"/>
-                <a:ea typeface="微软雅黑" pitchFamily="34" charset="-122"/>
-              </a:rPr>
-              <a:t>/local/</a:t>
-            </a:r>
-            <a:r>
-              <a:rPr lang="en-US" altLang="zh-CN" sz="1200" dirty="0" err="1" smtClean="0">
-                <a:latin typeface="微软雅黑" pitchFamily="34" charset="-122"/>
-                <a:ea typeface="微软雅黑" pitchFamily="34" charset="-122"/>
-              </a:rPr>
-              <a:t>redis</a:t>
-            </a:r>
-            <a:endParaRPr lang="en-US" altLang="zh-CN" sz="1200" dirty="0" smtClean="0">
-              <a:latin typeface="微软雅黑" pitchFamily="34" charset="-122"/>
-              <a:ea typeface="微软雅黑" pitchFamily="34" charset="-122"/>
-            </a:endParaRPr>
-          </a:p>
-          <a:p>
-            <a:pPr marL="0" indent="0">
-              <a:buNone/>
-            </a:pPr>
-            <a:r>
-              <a:rPr lang="en-US" altLang="zh-CN" sz="1200" dirty="0">
-                <a:latin typeface="微软雅黑" pitchFamily="34" charset="-122"/>
-                <a:ea typeface="微软雅黑" pitchFamily="34" charset="-122"/>
-              </a:rPr>
-              <a:t> </a:t>
-            </a:r>
-            <a:r>
-              <a:rPr lang="en-US" altLang="zh-CN" sz="1200" dirty="0" smtClean="0">
-                <a:latin typeface="微软雅黑" pitchFamily="34" charset="-122"/>
-                <a:ea typeface="微软雅黑" pitchFamily="34" charset="-122"/>
-              </a:rPr>
-              <a:t>        </a:t>
-            </a:r>
-            <a:r>
-              <a:rPr lang="zh-CN" altLang="en-US" sz="1200" dirty="0" smtClean="0">
-                <a:latin typeface="微软雅黑" pitchFamily="34" charset="-122"/>
-                <a:ea typeface="微软雅黑" pitchFamily="34" charset="-122"/>
-              </a:rPr>
-              <a:t>解压 </a:t>
-            </a:r>
-            <a:r>
-              <a:rPr lang="en-US" altLang="zh-CN" sz="1200" dirty="0" smtClean="0">
-                <a:latin typeface="微软雅黑" pitchFamily="34" charset="-122"/>
-                <a:ea typeface="微软雅黑" pitchFamily="34" charset="-122"/>
-              </a:rPr>
-              <a:t>tar </a:t>
-            </a:r>
-            <a:r>
-              <a:rPr lang="en-US" altLang="zh-CN" sz="1200" dirty="0">
-                <a:latin typeface="微软雅黑" pitchFamily="34" charset="-122"/>
-                <a:ea typeface="微软雅黑" pitchFamily="34" charset="-122"/>
-              </a:rPr>
-              <a:t>-</a:t>
-            </a:r>
-            <a:r>
-              <a:rPr lang="en-US" altLang="zh-CN" sz="1200" dirty="0" err="1">
-                <a:latin typeface="微软雅黑" pitchFamily="34" charset="-122"/>
-                <a:ea typeface="微软雅黑" pitchFamily="34" charset="-122"/>
-              </a:rPr>
-              <a:t>zxvf</a:t>
-            </a:r>
-            <a:r>
-              <a:rPr lang="en-US" altLang="zh-CN" sz="1200" dirty="0">
-                <a:latin typeface="微软雅黑" pitchFamily="34" charset="-122"/>
-                <a:ea typeface="微软雅黑" pitchFamily="34" charset="-122"/>
-              </a:rPr>
-              <a:t> </a:t>
-            </a:r>
-            <a:r>
-              <a:rPr lang="en-US" altLang="zh-CN" sz="1200" dirty="0" smtClean="0">
-                <a:latin typeface="微软雅黑" pitchFamily="34" charset="-122"/>
-                <a:ea typeface="微软雅黑" pitchFamily="34" charset="-122"/>
-              </a:rPr>
-              <a:t>redis-5.0.5.tar.gz</a:t>
-            </a:r>
-          </a:p>
-          <a:p>
-            <a:pPr marL="0" indent="0">
-              <a:buNone/>
-            </a:pPr>
-            <a:r>
-              <a:rPr lang="en-US" altLang="zh-CN" sz="1200" dirty="0" smtClean="0">
-                <a:latin typeface="微软雅黑" pitchFamily="34" charset="-122"/>
-                <a:ea typeface="微软雅黑" pitchFamily="34" charset="-122"/>
-              </a:rPr>
-              <a:t>         cd redis-5.0.5   </a:t>
-            </a:r>
-          </a:p>
-          <a:p>
-            <a:pPr marL="0" indent="0">
-              <a:buNone/>
-            </a:pPr>
-            <a:r>
-              <a:rPr lang="en-US" altLang="zh-CN" sz="1200" dirty="0" smtClean="0">
-                <a:latin typeface="微软雅黑" pitchFamily="34" charset="-122"/>
-                <a:ea typeface="微软雅黑" pitchFamily="34" charset="-122"/>
-              </a:rPr>
-              <a:t>         # </a:t>
-            </a:r>
-            <a:r>
-              <a:rPr lang="zh-CN" altLang="en-US" sz="1200" dirty="0">
-                <a:latin typeface="微软雅黑" pitchFamily="34" charset="-122"/>
-                <a:ea typeface="微软雅黑" pitchFamily="34" charset="-122"/>
-              </a:rPr>
-              <a:t>指定内存池类型，提高性能 </a:t>
-            </a:r>
-            <a:r>
-              <a:rPr lang="en-US" altLang="zh-CN" sz="1200" dirty="0">
-                <a:latin typeface="微软雅黑" pitchFamily="34" charset="-122"/>
-                <a:ea typeface="微软雅黑" pitchFamily="34" charset="-122"/>
-              </a:rPr>
-              <a:t>make </a:t>
-            </a:r>
-            <a:r>
-              <a:rPr lang="en-US" altLang="zh-CN" sz="1200" dirty="0" smtClean="0">
-                <a:latin typeface="微软雅黑" pitchFamily="34" charset="-122"/>
-                <a:ea typeface="微软雅黑" pitchFamily="34" charset="-122"/>
-              </a:rPr>
-              <a:t>MALLOC=</a:t>
-            </a:r>
-            <a:r>
-              <a:rPr lang="en-US" altLang="zh-CN" sz="1200" dirty="0" err="1" smtClean="0">
-                <a:latin typeface="微软雅黑" pitchFamily="34" charset="-122"/>
-                <a:ea typeface="微软雅黑" pitchFamily="34" charset="-122"/>
-              </a:rPr>
-              <a:t>libc</a:t>
-            </a:r>
-            <a:endParaRPr lang="en-US" altLang="zh-CN" sz="1200" dirty="0" smtClean="0">
-              <a:latin typeface="微软雅黑" pitchFamily="34" charset="-122"/>
-              <a:ea typeface="微软雅黑" pitchFamily="34" charset="-122"/>
-            </a:endParaRPr>
-          </a:p>
-          <a:p>
-            <a:pPr marL="0" indent="0">
-              <a:buNone/>
-            </a:pPr>
-            <a:r>
-              <a:rPr lang="en-US" altLang="zh-CN" sz="1200" dirty="0">
-                <a:latin typeface="微软雅黑" pitchFamily="34" charset="-122"/>
-                <a:ea typeface="微软雅黑" pitchFamily="34" charset="-122"/>
-              </a:rPr>
-              <a:t> </a:t>
-            </a:r>
-            <a:r>
-              <a:rPr lang="en-US" altLang="zh-CN" sz="1200" dirty="0" smtClean="0">
-                <a:latin typeface="微软雅黑" pitchFamily="34" charset="-122"/>
-                <a:ea typeface="微软雅黑" pitchFamily="34" charset="-122"/>
-              </a:rPr>
-              <a:t>        </a:t>
-            </a:r>
-            <a:r>
-              <a:rPr lang="zh-CN" altLang="en-US" sz="1200" dirty="0" smtClean="0">
-                <a:latin typeface="微软雅黑" pitchFamily="34" charset="-122"/>
-                <a:ea typeface="微软雅黑" pitchFamily="34" charset="-122"/>
-              </a:rPr>
-              <a:t>编译安装</a:t>
-            </a:r>
-            <a:r>
-              <a:rPr lang="en-US" altLang="zh-CN" sz="1200" dirty="0" smtClean="0">
-                <a:latin typeface="微软雅黑" pitchFamily="34" charset="-122"/>
-                <a:ea typeface="微软雅黑" pitchFamily="34" charset="-122"/>
-              </a:rPr>
-              <a:t>cd </a:t>
-            </a:r>
-            <a:r>
-              <a:rPr lang="en-US" altLang="zh-CN" sz="1200" dirty="0" err="1">
-                <a:latin typeface="微软雅黑" pitchFamily="34" charset="-122"/>
-                <a:ea typeface="微软雅黑" pitchFamily="34" charset="-122"/>
-              </a:rPr>
-              <a:t>src</a:t>
-            </a:r>
-            <a:r>
-              <a:rPr lang="en-US" altLang="zh-CN" sz="1200" dirty="0">
-                <a:latin typeface="微软雅黑" pitchFamily="34" charset="-122"/>
-                <a:ea typeface="微软雅黑" pitchFamily="34" charset="-122"/>
-              </a:rPr>
-              <a:t> </a:t>
-            </a:r>
-            <a:r>
-              <a:rPr lang="en-US" altLang="zh-CN" sz="1200" dirty="0" smtClean="0">
-                <a:latin typeface="微软雅黑" pitchFamily="34" charset="-122"/>
-                <a:ea typeface="微软雅黑" pitchFamily="34" charset="-122"/>
-              </a:rPr>
-              <a:t>  make </a:t>
-            </a:r>
-            <a:r>
-              <a:rPr lang="en-US" altLang="zh-CN" sz="1200" dirty="0">
-                <a:latin typeface="微软雅黑" pitchFamily="34" charset="-122"/>
-                <a:ea typeface="微软雅黑" pitchFamily="34" charset="-122"/>
-              </a:rPr>
-              <a:t>PREFIX=/</a:t>
-            </a:r>
-            <a:r>
-              <a:rPr lang="en-US" altLang="zh-CN" sz="1200" dirty="0" err="1">
-                <a:latin typeface="微软雅黑" pitchFamily="34" charset="-122"/>
-                <a:ea typeface="微软雅黑" pitchFamily="34" charset="-122"/>
-              </a:rPr>
-              <a:t>usr</a:t>
-            </a:r>
-            <a:r>
-              <a:rPr lang="en-US" altLang="zh-CN" sz="1200" dirty="0">
-                <a:latin typeface="微软雅黑" pitchFamily="34" charset="-122"/>
-                <a:ea typeface="微软雅黑" pitchFamily="34" charset="-122"/>
-              </a:rPr>
-              <a:t>/local/</a:t>
-            </a:r>
-            <a:r>
-              <a:rPr lang="en-US" altLang="zh-CN" sz="1200" dirty="0" err="1">
-                <a:latin typeface="微软雅黑" pitchFamily="34" charset="-122"/>
-                <a:ea typeface="微软雅黑" pitchFamily="34" charset="-122"/>
-              </a:rPr>
-              <a:t>redis</a:t>
-            </a:r>
-            <a:r>
-              <a:rPr lang="en-US" altLang="zh-CN" sz="1200" dirty="0">
-                <a:latin typeface="微软雅黑" pitchFamily="34" charset="-122"/>
-                <a:ea typeface="微软雅黑" pitchFamily="34" charset="-122"/>
-              </a:rPr>
-              <a:t> </a:t>
-            </a:r>
-            <a:r>
-              <a:rPr lang="en-US" altLang="zh-CN" sz="1200" dirty="0" smtClean="0">
-                <a:latin typeface="微软雅黑" pitchFamily="34" charset="-122"/>
-                <a:ea typeface="微软雅黑" pitchFamily="34" charset="-122"/>
-              </a:rPr>
-              <a:t>install</a:t>
-            </a:r>
-          </a:p>
-          <a:p>
-            <a:pPr marL="0" indent="0">
-              <a:buNone/>
-            </a:pPr>
-            <a:r>
-              <a:rPr lang="zh-CN" altLang="en-US" sz="1200" dirty="0" smtClean="0">
-                <a:latin typeface="微软雅黑" pitchFamily="34" charset="-122"/>
-                <a:ea typeface="微软雅黑" pitchFamily="34" charset="-122"/>
-              </a:rPr>
-              <a:t>（</a:t>
-            </a:r>
-            <a:r>
-              <a:rPr lang="en-US" altLang="zh-CN" sz="1200" dirty="0" smtClean="0">
-                <a:latin typeface="微软雅黑" pitchFamily="34" charset="-122"/>
-                <a:ea typeface="微软雅黑" pitchFamily="34" charset="-122"/>
-              </a:rPr>
-              <a:t>3</a:t>
-            </a:r>
-            <a:r>
-              <a:rPr lang="zh-CN" altLang="en-US" sz="1200" dirty="0" smtClean="0">
-                <a:latin typeface="微软雅黑" pitchFamily="34" charset="-122"/>
-                <a:ea typeface="微软雅黑" pitchFamily="34" charset="-122"/>
-              </a:rPr>
-              <a:t>）</a:t>
-            </a:r>
-            <a:r>
-              <a:rPr lang="zh-CN" altLang="en-US" sz="1200" dirty="0">
-                <a:latin typeface="微软雅黑" pitchFamily="34" charset="-122"/>
-                <a:ea typeface="微软雅黑" pitchFamily="34" charset="-122"/>
-              </a:rPr>
-              <a:t>添加</a:t>
-            </a:r>
-            <a:r>
-              <a:rPr lang="en-US" altLang="zh-CN" sz="1200" dirty="0" err="1">
-                <a:latin typeface="微软雅黑" pitchFamily="34" charset="-122"/>
-                <a:ea typeface="微软雅黑" pitchFamily="34" charset="-122"/>
-              </a:rPr>
-              <a:t>redis</a:t>
-            </a:r>
-            <a:r>
-              <a:rPr lang="zh-CN" altLang="en-US" sz="1200" dirty="0">
-                <a:latin typeface="微软雅黑" pitchFamily="34" charset="-122"/>
-                <a:ea typeface="微软雅黑" pitchFamily="34" charset="-122"/>
-              </a:rPr>
-              <a:t>到命令到全局变量，方便在任何目录</a:t>
-            </a:r>
-            <a:r>
-              <a:rPr lang="zh-CN" altLang="en-US" sz="1200" dirty="0" smtClean="0">
-                <a:latin typeface="微软雅黑" pitchFamily="34" charset="-122"/>
-                <a:ea typeface="微软雅黑" pitchFamily="34" charset="-122"/>
-              </a:rPr>
-              <a:t>执行</a:t>
-            </a:r>
-            <a:r>
-              <a:rPr lang="en-US" altLang="zh-CN" sz="1200" dirty="0" smtClean="0">
-                <a:latin typeface="微软雅黑" pitchFamily="34" charset="-122"/>
-                <a:ea typeface="微软雅黑" pitchFamily="34" charset="-122"/>
-              </a:rPr>
-              <a:t>(</a:t>
-            </a:r>
-            <a:r>
-              <a:rPr lang="zh-CN" altLang="en-US" sz="1200" dirty="0" smtClean="0">
-                <a:latin typeface="微软雅黑" pitchFamily="34" charset="-122"/>
-                <a:ea typeface="微软雅黑" pitchFamily="34" charset="-122"/>
-              </a:rPr>
-              <a:t>可选</a:t>
-            </a:r>
-            <a:r>
-              <a:rPr lang="en-US" altLang="zh-CN" sz="1200" dirty="0" smtClean="0">
-                <a:latin typeface="微软雅黑" pitchFamily="34" charset="-122"/>
-                <a:ea typeface="微软雅黑" pitchFamily="34" charset="-122"/>
-              </a:rPr>
-              <a:t>)</a:t>
-            </a:r>
-          </a:p>
-          <a:p>
-            <a:pPr marL="0" indent="0">
-              <a:buNone/>
-            </a:pPr>
-            <a:r>
-              <a:rPr lang="en-US" altLang="zh-CN" sz="1200" dirty="0" smtClean="0">
-                <a:latin typeface="微软雅黑" pitchFamily="34" charset="-122"/>
-                <a:ea typeface="微软雅黑" pitchFamily="34" charset="-122"/>
-              </a:rPr>
-              <a:t>         </a:t>
-            </a:r>
-            <a:r>
-              <a:rPr lang="en-US" altLang="zh-CN" sz="1200" dirty="0">
-                <a:latin typeface="微软雅黑" pitchFamily="34" charset="-122"/>
-                <a:ea typeface="微软雅黑" pitchFamily="34" charset="-122"/>
-              </a:rPr>
-              <a:t>vi /</a:t>
-            </a:r>
-            <a:r>
-              <a:rPr lang="en-US" altLang="zh-CN" sz="1200" dirty="0" err="1">
-                <a:latin typeface="微软雅黑" pitchFamily="34" charset="-122"/>
-                <a:ea typeface="微软雅黑" pitchFamily="34" charset="-122"/>
-              </a:rPr>
-              <a:t>etc</a:t>
-            </a:r>
-            <a:r>
-              <a:rPr lang="en-US" altLang="zh-CN" sz="1200" dirty="0">
-                <a:latin typeface="微软雅黑" pitchFamily="34" charset="-122"/>
-                <a:ea typeface="微软雅黑" pitchFamily="34" charset="-122"/>
-              </a:rPr>
-              <a:t>/profile </a:t>
-            </a:r>
-            <a:r>
-              <a:rPr lang="en-US" altLang="zh-CN" sz="1200" dirty="0" smtClean="0">
-                <a:latin typeface="微软雅黑" pitchFamily="34" charset="-122"/>
-                <a:ea typeface="微软雅黑" pitchFamily="34" charset="-122"/>
-              </a:rPr>
-              <a:t>  # </a:t>
-            </a:r>
-            <a:r>
-              <a:rPr lang="zh-CN" altLang="en-US" sz="1200" dirty="0">
-                <a:latin typeface="微软雅黑" pitchFamily="34" charset="-122"/>
-                <a:ea typeface="微软雅黑" pitchFamily="34" charset="-122"/>
-              </a:rPr>
-              <a:t>在最后行添加</a:t>
-            </a:r>
-            <a:r>
-              <a:rPr lang="en-US" altLang="zh-CN" sz="1200" dirty="0" smtClean="0">
-                <a:latin typeface="微软雅黑" pitchFamily="34" charset="-122"/>
-                <a:ea typeface="微软雅黑" pitchFamily="34" charset="-122"/>
-              </a:rPr>
-              <a:t>:   </a:t>
-            </a:r>
-            <a:r>
-              <a:rPr lang="zh-CN" altLang="en-US" sz="1200" dirty="0" smtClean="0">
-                <a:latin typeface="微软雅黑" pitchFamily="34" charset="-122"/>
-                <a:ea typeface="微软雅黑" pitchFamily="34" charset="-122"/>
-              </a:rPr>
-              <a:t> </a:t>
-            </a:r>
-            <a:r>
-              <a:rPr lang="en-US" altLang="zh-CN" sz="1200" dirty="0">
-                <a:latin typeface="微软雅黑" pitchFamily="34" charset="-122"/>
-                <a:ea typeface="微软雅黑" pitchFamily="34" charset="-122"/>
-              </a:rPr>
-              <a:t>export PATH="$PATH:/</a:t>
-            </a:r>
-            <a:r>
-              <a:rPr lang="en-US" altLang="zh-CN" sz="1200" dirty="0" err="1" smtClean="0">
-                <a:latin typeface="微软雅黑" pitchFamily="34" charset="-122"/>
-                <a:ea typeface="微软雅黑" pitchFamily="34" charset="-122"/>
-              </a:rPr>
-              <a:t>usr</a:t>
-            </a:r>
-            <a:r>
-              <a:rPr lang="en-US" altLang="zh-CN" sz="1200" dirty="0" smtClean="0">
-                <a:latin typeface="微软雅黑" pitchFamily="34" charset="-122"/>
-                <a:ea typeface="微软雅黑" pitchFamily="34" charset="-122"/>
-              </a:rPr>
-              <a:t>/local/</a:t>
-            </a:r>
-            <a:r>
-              <a:rPr lang="en-US" altLang="zh-CN" sz="1200" dirty="0" err="1" smtClean="0">
-                <a:latin typeface="微软雅黑" pitchFamily="34" charset="-122"/>
-                <a:ea typeface="微软雅黑" pitchFamily="34" charset="-122"/>
-              </a:rPr>
-              <a:t>redis</a:t>
-            </a:r>
-            <a:r>
-              <a:rPr lang="en-US" altLang="zh-CN" sz="1200" dirty="0" smtClean="0">
-                <a:latin typeface="微软雅黑" pitchFamily="34" charset="-122"/>
-                <a:ea typeface="微软雅黑" pitchFamily="34" charset="-122"/>
-              </a:rPr>
-              <a:t>/bin“</a:t>
-            </a:r>
-          </a:p>
-          <a:p>
-            <a:pPr marL="0" indent="0">
-              <a:buNone/>
-            </a:pPr>
-            <a:r>
-              <a:rPr lang="zh-CN" altLang="en-US" sz="1200" dirty="0" smtClean="0">
-                <a:latin typeface="微软雅黑" pitchFamily="34" charset="-122"/>
-                <a:ea typeface="微软雅黑" pitchFamily="34" charset="-122"/>
-              </a:rPr>
-              <a:t>（</a:t>
-            </a:r>
-            <a:r>
-              <a:rPr lang="en-US" altLang="zh-CN" sz="1200" dirty="0" smtClean="0">
-                <a:latin typeface="微软雅黑" pitchFamily="34" charset="-122"/>
-                <a:ea typeface="微软雅黑" pitchFamily="34" charset="-122"/>
-              </a:rPr>
-              <a:t>4</a:t>
-            </a:r>
-            <a:r>
-              <a:rPr lang="zh-CN" altLang="en-US" sz="1200" dirty="0" smtClean="0">
-                <a:latin typeface="微软雅黑" pitchFamily="34" charset="-122"/>
-                <a:ea typeface="微软雅黑" pitchFamily="34" charset="-122"/>
-              </a:rPr>
-              <a:t>）</a:t>
-            </a:r>
-            <a:r>
-              <a:rPr lang="zh-CN" altLang="en-US" sz="1200" dirty="0">
-                <a:latin typeface="微软雅黑" pitchFamily="34" charset="-122"/>
-                <a:ea typeface="微软雅黑" pitchFamily="34" charset="-122"/>
-              </a:rPr>
-              <a:t>将</a:t>
-            </a:r>
-            <a:r>
-              <a:rPr lang="en-US" altLang="zh-CN" sz="1200" dirty="0">
-                <a:latin typeface="微软雅黑" pitchFamily="34" charset="-122"/>
-                <a:ea typeface="微软雅黑" pitchFamily="34" charset="-122"/>
-              </a:rPr>
-              <a:t>redis-5.0.5</a:t>
-            </a:r>
-            <a:r>
-              <a:rPr lang="zh-CN" altLang="en-US" sz="1200" dirty="0">
-                <a:latin typeface="微软雅黑" pitchFamily="34" charset="-122"/>
-                <a:ea typeface="微软雅黑" pitchFamily="34" charset="-122"/>
-              </a:rPr>
-              <a:t>目录下的 </a:t>
-            </a:r>
-            <a:r>
-              <a:rPr lang="en-US" altLang="zh-CN" sz="1200" dirty="0" err="1">
-                <a:latin typeface="微软雅黑" pitchFamily="34" charset="-122"/>
-                <a:ea typeface="微软雅黑" pitchFamily="34" charset="-122"/>
-              </a:rPr>
-              <a:t>redis.conf</a:t>
-            </a:r>
-            <a:r>
-              <a:rPr lang="en-US" altLang="zh-CN" sz="1200" dirty="0">
-                <a:latin typeface="微软雅黑" pitchFamily="34" charset="-122"/>
-                <a:ea typeface="微软雅黑" pitchFamily="34" charset="-122"/>
-              </a:rPr>
-              <a:t> </a:t>
-            </a:r>
-            <a:r>
-              <a:rPr lang="zh-CN" altLang="en-US" sz="1200" dirty="0">
-                <a:latin typeface="微软雅黑" pitchFamily="34" charset="-122"/>
-                <a:ea typeface="微软雅黑" pitchFamily="34" charset="-122"/>
-              </a:rPr>
-              <a:t>移动</a:t>
-            </a:r>
-            <a:r>
-              <a:rPr lang="zh-CN" altLang="en-US" sz="1200" dirty="0" smtClean="0">
-                <a:latin typeface="微软雅黑" pitchFamily="34" charset="-122"/>
-                <a:ea typeface="微软雅黑" pitchFamily="34" charset="-122"/>
-              </a:rPr>
-              <a:t>到</a:t>
-            </a:r>
-            <a:r>
-              <a:rPr lang="en-US" altLang="zh-CN" sz="1200" dirty="0">
-                <a:latin typeface="微软雅黑" pitchFamily="34" charset="-122"/>
-                <a:ea typeface="微软雅黑" pitchFamily="34" charset="-122"/>
-              </a:rPr>
-              <a:t>/</a:t>
-            </a:r>
-            <a:r>
-              <a:rPr lang="en-US" altLang="zh-CN" sz="1200" dirty="0" err="1" smtClean="0">
-                <a:latin typeface="微软雅黑" pitchFamily="34" charset="-122"/>
-                <a:ea typeface="微软雅黑" pitchFamily="34" charset="-122"/>
-              </a:rPr>
-              <a:t>usr</a:t>
-            </a:r>
-            <a:r>
-              <a:rPr lang="en-US" altLang="zh-CN" sz="1200" dirty="0" smtClean="0">
-                <a:latin typeface="微软雅黑" pitchFamily="34" charset="-122"/>
-                <a:ea typeface="微软雅黑" pitchFamily="34" charset="-122"/>
-              </a:rPr>
-              <a:t>/local/</a:t>
-            </a:r>
-            <a:r>
-              <a:rPr lang="en-US" altLang="zh-CN" sz="1200" dirty="0" err="1" smtClean="0">
-                <a:latin typeface="微软雅黑" pitchFamily="34" charset="-122"/>
-                <a:ea typeface="微软雅黑" pitchFamily="34" charset="-122"/>
-              </a:rPr>
-              <a:t>redis</a:t>
-            </a:r>
-            <a:r>
-              <a:rPr lang="en-US" altLang="zh-CN" sz="1200" dirty="0" smtClean="0">
-                <a:latin typeface="微软雅黑" pitchFamily="34" charset="-122"/>
-                <a:ea typeface="微软雅黑" pitchFamily="34" charset="-122"/>
-              </a:rPr>
-              <a:t>/</a:t>
-            </a:r>
-            <a:r>
-              <a:rPr lang="en-US" altLang="zh-CN" sz="1200" dirty="0" err="1" smtClean="0">
-                <a:latin typeface="微软雅黑" pitchFamily="34" charset="-122"/>
-                <a:ea typeface="微软雅黑" pitchFamily="34" charset="-122"/>
-              </a:rPr>
-              <a:t>conf</a:t>
-            </a:r>
-            <a:endParaRPr lang="en-US" altLang="zh-CN" sz="1200" dirty="0" smtClean="0">
-              <a:latin typeface="微软雅黑" pitchFamily="34" charset="-122"/>
-              <a:ea typeface="微软雅黑" pitchFamily="34" charset="-122"/>
-            </a:endParaRPr>
-          </a:p>
-          <a:p>
-            <a:pPr marL="0" indent="0">
-              <a:buNone/>
-            </a:pPr>
-            <a:r>
-              <a:rPr lang="en-US" altLang="zh-CN" sz="1200" dirty="0">
-                <a:latin typeface="微软雅黑" pitchFamily="34" charset="-122"/>
-                <a:ea typeface="微软雅黑" pitchFamily="34" charset="-122"/>
-              </a:rPr>
-              <a:t> </a:t>
-            </a:r>
-            <a:r>
-              <a:rPr lang="en-US" altLang="zh-CN" sz="1200" dirty="0" smtClean="0">
-                <a:latin typeface="微软雅黑" pitchFamily="34" charset="-122"/>
-                <a:ea typeface="微软雅黑" pitchFamily="34" charset="-122"/>
-              </a:rPr>
-              <a:t> (5)   </a:t>
-            </a:r>
-            <a:r>
-              <a:rPr lang="zh-CN" altLang="en-US" sz="1200" dirty="0" smtClean="0">
-                <a:latin typeface="微软雅黑" pitchFamily="34" charset="-122"/>
-                <a:ea typeface="微软雅黑" pitchFamily="34" charset="-122"/>
-              </a:rPr>
-              <a:t>将</a:t>
-            </a:r>
-            <a:r>
-              <a:rPr lang="en-US" altLang="zh-CN" sz="1200" dirty="0">
-                <a:latin typeface="微软雅黑" pitchFamily="34" charset="-122"/>
-                <a:ea typeface="微软雅黑" pitchFamily="34" charset="-122"/>
-              </a:rPr>
-              <a:t>mkreleasehdr.sh</a:t>
-            </a:r>
-            <a:r>
-              <a:rPr lang="zh-CN" altLang="en-US" sz="1200" dirty="0">
-                <a:latin typeface="微软雅黑" pitchFamily="34" charset="-122"/>
-                <a:ea typeface="微软雅黑" pitchFamily="34" charset="-122"/>
-              </a:rPr>
-              <a:t>、</a:t>
-            </a:r>
-            <a:r>
-              <a:rPr lang="en-US" altLang="zh-CN" sz="1200" dirty="0" err="1">
-                <a:latin typeface="微软雅黑" pitchFamily="34" charset="-122"/>
-                <a:ea typeface="微软雅黑" pitchFamily="34" charset="-122"/>
-              </a:rPr>
-              <a:t>redis</a:t>
-            </a:r>
-            <a:r>
-              <a:rPr lang="en-US" altLang="zh-CN" sz="1200" dirty="0">
-                <a:latin typeface="微软雅黑" pitchFamily="34" charset="-122"/>
-                <a:ea typeface="微软雅黑" pitchFamily="34" charset="-122"/>
-              </a:rPr>
-              <a:t>-benchmark</a:t>
-            </a:r>
-            <a:r>
-              <a:rPr lang="zh-CN" altLang="en-US" sz="1200" dirty="0">
-                <a:latin typeface="微软雅黑" pitchFamily="34" charset="-122"/>
-                <a:ea typeface="微软雅黑" pitchFamily="34" charset="-122"/>
-              </a:rPr>
-              <a:t>、</a:t>
-            </a:r>
-            <a:r>
-              <a:rPr lang="en-US" altLang="zh-CN" sz="1200" dirty="0" err="1">
-                <a:latin typeface="微软雅黑" pitchFamily="34" charset="-122"/>
-                <a:ea typeface="微软雅黑" pitchFamily="34" charset="-122"/>
-              </a:rPr>
-              <a:t>redis</a:t>
-            </a:r>
-            <a:r>
-              <a:rPr lang="en-US" altLang="zh-CN" sz="1200" dirty="0">
-                <a:latin typeface="微软雅黑" pitchFamily="34" charset="-122"/>
-                <a:ea typeface="微软雅黑" pitchFamily="34" charset="-122"/>
-              </a:rPr>
-              <a:t>-check-</a:t>
-            </a:r>
-            <a:r>
-              <a:rPr lang="en-US" altLang="zh-CN" sz="1200" dirty="0" err="1">
-                <a:latin typeface="微软雅黑" pitchFamily="34" charset="-122"/>
-                <a:ea typeface="微软雅黑" pitchFamily="34" charset="-122"/>
-              </a:rPr>
-              <a:t>aof</a:t>
-            </a:r>
-            <a:r>
-              <a:rPr lang="zh-CN" altLang="en-US" sz="1200" dirty="0">
-                <a:latin typeface="微软雅黑" pitchFamily="34" charset="-122"/>
-                <a:ea typeface="微软雅黑" pitchFamily="34" charset="-122"/>
-              </a:rPr>
-              <a:t>、</a:t>
-            </a:r>
-            <a:r>
-              <a:rPr lang="en-US" altLang="zh-CN" sz="1200" dirty="0" err="1">
-                <a:latin typeface="微软雅黑" pitchFamily="34" charset="-122"/>
-                <a:ea typeface="微软雅黑" pitchFamily="34" charset="-122"/>
-              </a:rPr>
-              <a:t>redis</a:t>
-            </a:r>
-            <a:r>
-              <a:rPr lang="en-US" altLang="zh-CN" sz="1200" dirty="0">
-                <a:latin typeface="微软雅黑" pitchFamily="34" charset="-122"/>
-                <a:ea typeface="微软雅黑" pitchFamily="34" charset="-122"/>
-              </a:rPr>
-              <a:t>-cli</a:t>
-            </a:r>
-            <a:r>
-              <a:rPr lang="zh-CN" altLang="en-US" sz="1200" dirty="0">
-                <a:latin typeface="微软雅黑" pitchFamily="34" charset="-122"/>
-                <a:ea typeface="微软雅黑" pitchFamily="34" charset="-122"/>
-              </a:rPr>
-              <a:t>、</a:t>
-            </a:r>
-            <a:r>
-              <a:rPr lang="en-US" altLang="zh-CN" sz="1200" dirty="0" err="1">
-                <a:latin typeface="微软雅黑" pitchFamily="34" charset="-122"/>
-                <a:ea typeface="微软雅黑" pitchFamily="34" charset="-122"/>
-              </a:rPr>
-              <a:t>redis</a:t>
-            </a:r>
-            <a:r>
-              <a:rPr lang="en-US" altLang="zh-CN" sz="1200" dirty="0">
-                <a:latin typeface="微软雅黑" pitchFamily="34" charset="-122"/>
-                <a:ea typeface="微软雅黑" pitchFamily="34" charset="-122"/>
-              </a:rPr>
-              <a:t>-server </a:t>
-            </a:r>
-            <a:r>
-              <a:rPr lang="zh-CN" altLang="en-US" sz="1200" dirty="0">
-                <a:latin typeface="微软雅黑" pitchFamily="34" charset="-122"/>
-                <a:ea typeface="微软雅黑" pitchFamily="34" charset="-122"/>
-              </a:rPr>
-              <a:t>移动到   </a:t>
-            </a:r>
-            <a:r>
-              <a:rPr lang="en-US" altLang="zh-CN" sz="1200" dirty="0">
-                <a:latin typeface="微软雅黑" pitchFamily="34" charset="-122"/>
-                <a:ea typeface="微软雅黑" pitchFamily="34" charset="-122"/>
-              </a:rPr>
-              <a:t>/</a:t>
-            </a:r>
-            <a:r>
-              <a:rPr lang="en-US" altLang="zh-CN" sz="1200" dirty="0" err="1" smtClean="0">
-                <a:latin typeface="微软雅黑" pitchFamily="34" charset="-122"/>
-                <a:ea typeface="微软雅黑" pitchFamily="34" charset="-122"/>
-              </a:rPr>
-              <a:t>usr</a:t>
-            </a:r>
-            <a:r>
-              <a:rPr lang="en-US" altLang="zh-CN" sz="1200" dirty="0" smtClean="0">
-                <a:latin typeface="微软雅黑" pitchFamily="34" charset="-122"/>
-                <a:ea typeface="微软雅黑" pitchFamily="34" charset="-122"/>
-              </a:rPr>
-              <a:t>/local/</a:t>
-            </a:r>
-            <a:r>
-              <a:rPr lang="en-US" altLang="zh-CN" sz="1200" dirty="0" err="1" smtClean="0">
-                <a:latin typeface="微软雅黑" pitchFamily="34" charset="-122"/>
-                <a:ea typeface="微软雅黑" pitchFamily="34" charset="-122"/>
-              </a:rPr>
-              <a:t>redis</a:t>
-            </a:r>
-            <a:r>
-              <a:rPr lang="en-US" altLang="zh-CN" sz="1200" dirty="0" smtClean="0">
-                <a:latin typeface="微软雅黑" pitchFamily="34" charset="-122"/>
-                <a:ea typeface="微软雅黑" pitchFamily="34" charset="-122"/>
-              </a:rPr>
-              <a:t>/bin/</a:t>
-            </a:r>
-          </a:p>
-          <a:p>
-            <a:pPr marL="0" indent="0">
-              <a:buNone/>
-            </a:pPr>
-            <a:r>
-              <a:rPr lang="en-US" altLang="zh-CN" sz="1200" dirty="0" smtClean="0">
-                <a:latin typeface="微软雅黑" pitchFamily="34" charset="-122"/>
-                <a:ea typeface="微软雅黑" pitchFamily="34" charset="-122"/>
-              </a:rPr>
-              <a:t>  (6)  </a:t>
-            </a:r>
-            <a:r>
-              <a:rPr lang="zh-CN" altLang="en-US" sz="1200" dirty="0" smtClean="0">
-                <a:latin typeface="微软雅黑" pitchFamily="34" charset="-122"/>
-                <a:ea typeface="微软雅黑" pitchFamily="34" charset="-122"/>
-              </a:rPr>
-              <a:t>修改</a:t>
-            </a:r>
-            <a:r>
-              <a:rPr lang="en-US" altLang="zh-CN" sz="1200" dirty="0" err="1" smtClean="0">
-                <a:latin typeface="微软雅黑" pitchFamily="34" charset="-122"/>
-                <a:ea typeface="微软雅黑" pitchFamily="34" charset="-122"/>
-              </a:rPr>
-              <a:t>redis.conf</a:t>
-            </a:r>
-            <a:endParaRPr lang="en-US" altLang="zh-CN" sz="1200" dirty="0" smtClean="0">
-              <a:latin typeface="微软雅黑" pitchFamily="34" charset="-122"/>
-              <a:ea typeface="微软雅黑" pitchFamily="34" charset="-122"/>
-            </a:endParaRPr>
-          </a:p>
-          <a:p>
-            <a:pPr marL="0" indent="0">
-              <a:buNone/>
-            </a:pPr>
-            <a:r>
-              <a:rPr lang="en-US" altLang="zh-CN" sz="1200" dirty="0">
-                <a:latin typeface="微软雅黑" pitchFamily="34" charset="-122"/>
-                <a:ea typeface="微软雅黑" pitchFamily="34" charset="-122"/>
-              </a:rPr>
-              <a:t> </a:t>
-            </a:r>
-            <a:r>
-              <a:rPr lang="en-US" altLang="zh-CN" sz="1200" dirty="0" smtClean="0">
-                <a:latin typeface="微软雅黑" pitchFamily="34" charset="-122"/>
-                <a:ea typeface="微软雅黑" pitchFamily="34" charset="-122"/>
-              </a:rPr>
-              <a:t>       </a:t>
-            </a:r>
-            <a:r>
-              <a:rPr lang="en-US" altLang="zh-CN" sz="1200" dirty="0" err="1"/>
-              <a:t>daemonize</a:t>
-            </a:r>
-            <a:r>
-              <a:rPr lang="zh-CN" altLang="en-US" sz="1200" dirty="0"/>
-              <a:t>属性改为</a:t>
-            </a:r>
-            <a:r>
-              <a:rPr lang="en-US" altLang="zh-CN" sz="1200" dirty="0" smtClean="0"/>
-              <a:t>yes  </a:t>
-            </a:r>
-          </a:p>
-          <a:p>
-            <a:pPr marL="0" indent="0">
-              <a:buNone/>
-            </a:pPr>
-            <a:r>
-              <a:rPr lang="en-US" altLang="zh-CN" sz="1200" dirty="0"/>
-              <a:t> </a:t>
-            </a:r>
-            <a:r>
-              <a:rPr lang="en-US" altLang="zh-CN" sz="1200" dirty="0" smtClean="0"/>
-              <a:t>         bind 127.0.0.1</a:t>
-            </a:r>
-            <a:endParaRPr lang="en-US" altLang="zh-CN" sz="1200" dirty="0" smtClean="0">
-              <a:latin typeface="微软雅黑" pitchFamily="34" charset="-122"/>
-              <a:ea typeface="微软雅黑" pitchFamily="34" charset="-122"/>
-            </a:endParaRPr>
-          </a:p>
-          <a:p>
-            <a:pPr marL="0" indent="0">
-              <a:buNone/>
-            </a:pPr>
-            <a:r>
-              <a:rPr lang="en-US" altLang="zh-CN" sz="1200" dirty="0" smtClean="0">
-                <a:latin typeface="微软雅黑" pitchFamily="34" charset="-122"/>
-                <a:ea typeface="微软雅黑" pitchFamily="34" charset="-122"/>
-              </a:rPr>
-              <a:t>        </a:t>
-            </a:r>
-            <a:r>
-              <a:rPr lang="en-US" altLang="zh-CN" sz="1200" dirty="0" smtClean="0"/>
-              <a:t>#</a:t>
-            </a:r>
-            <a:r>
-              <a:rPr lang="en-US" altLang="zh-CN" sz="1200" dirty="0"/>
-              <a:t>save 900 1 #save 300 10 #save 60 </a:t>
-            </a:r>
-            <a:r>
-              <a:rPr lang="en-US" altLang="zh-CN" sz="1200" dirty="0" smtClean="0"/>
-              <a:t>10000 </a:t>
-            </a:r>
-            <a:r>
-              <a:rPr lang="zh-CN" altLang="en-US" sz="1200" dirty="0" smtClean="0"/>
-              <a:t>注释掉持久化</a:t>
-            </a:r>
-            <a:endParaRPr lang="en-US" altLang="zh-CN" sz="1200" dirty="0" smtClean="0"/>
-          </a:p>
-          <a:p>
-            <a:pPr marL="0" indent="0">
-              <a:buNone/>
-            </a:pPr>
-            <a:r>
-              <a:rPr lang="en-US" altLang="zh-CN" sz="1200" dirty="0" smtClean="0">
-                <a:latin typeface="微软雅黑" pitchFamily="34" charset="-122"/>
-                <a:ea typeface="微软雅黑" pitchFamily="34" charset="-122"/>
-              </a:rPr>
-              <a:t> (7)  </a:t>
-            </a:r>
-            <a:r>
-              <a:rPr lang="zh-CN" altLang="en-US" sz="1200" dirty="0" smtClean="0">
-                <a:latin typeface="微软雅黑" pitchFamily="34" charset="-122"/>
-                <a:ea typeface="微软雅黑" pitchFamily="34" charset="-122"/>
-              </a:rPr>
-              <a:t>启动</a:t>
-            </a:r>
-            <a:endParaRPr lang="en-US" altLang="zh-CN" sz="1200" dirty="0" smtClean="0">
-              <a:latin typeface="微软雅黑" pitchFamily="34" charset="-122"/>
-              <a:ea typeface="微软雅黑" pitchFamily="34" charset="-122"/>
-            </a:endParaRPr>
-          </a:p>
-          <a:p>
-            <a:pPr marL="0" indent="0">
-              <a:buNone/>
-            </a:pPr>
-            <a:r>
-              <a:rPr lang="en-US" altLang="zh-CN" sz="1200" dirty="0">
-                <a:latin typeface="微软雅黑" pitchFamily="34" charset="-122"/>
-                <a:ea typeface="微软雅黑" pitchFamily="34" charset="-122"/>
-              </a:rPr>
-              <a:t>        /</a:t>
-            </a:r>
-            <a:r>
-              <a:rPr lang="en-US" altLang="zh-CN" sz="1200" dirty="0" err="1">
-                <a:latin typeface="微软雅黑" pitchFamily="34" charset="-122"/>
-                <a:ea typeface="微软雅黑" pitchFamily="34" charset="-122"/>
-              </a:rPr>
-              <a:t>usr</a:t>
-            </a:r>
-            <a:r>
-              <a:rPr lang="en-US" altLang="zh-CN" sz="1200" dirty="0">
-                <a:latin typeface="微软雅黑" pitchFamily="34" charset="-122"/>
-                <a:ea typeface="微软雅黑" pitchFamily="34" charset="-122"/>
-              </a:rPr>
-              <a:t>/local/</a:t>
-            </a:r>
-            <a:r>
-              <a:rPr lang="en-US" altLang="zh-CN" sz="1200" dirty="0" err="1">
-                <a:latin typeface="微软雅黑" pitchFamily="34" charset="-122"/>
-                <a:ea typeface="微软雅黑" pitchFamily="34" charset="-122"/>
-              </a:rPr>
-              <a:t>redis</a:t>
-            </a:r>
-            <a:r>
-              <a:rPr lang="en-US" altLang="zh-CN" sz="1200" dirty="0">
-                <a:latin typeface="微软雅黑" pitchFamily="34" charset="-122"/>
-                <a:ea typeface="微软雅黑" pitchFamily="34" charset="-122"/>
-              </a:rPr>
-              <a:t>/bin/</a:t>
-            </a:r>
-            <a:r>
-              <a:rPr lang="en-US" altLang="zh-CN" sz="1200" dirty="0" err="1">
-                <a:latin typeface="微软雅黑" pitchFamily="34" charset="-122"/>
-                <a:ea typeface="微软雅黑" pitchFamily="34" charset="-122"/>
-              </a:rPr>
-              <a:t>redis</a:t>
-            </a:r>
-            <a:r>
-              <a:rPr lang="en-US" altLang="zh-CN" sz="1200" dirty="0">
-                <a:latin typeface="微软雅黑" pitchFamily="34" charset="-122"/>
-                <a:ea typeface="微软雅黑" pitchFamily="34" charset="-122"/>
-              </a:rPr>
-              <a:t>-server /</a:t>
-            </a:r>
-            <a:r>
-              <a:rPr lang="en-US" altLang="zh-CN" sz="1200" dirty="0" err="1" smtClean="0">
-                <a:latin typeface="微软雅黑" pitchFamily="34" charset="-122"/>
-                <a:ea typeface="微软雅黑" pitchFamily="34" charset="-122"/>
-              </a:rPr>
-              <a:t>usr</a:t>
-            </a:r>
-            <a:r>
-              <a:rPr lang="en-US" altLang="zh-CN" sz="1200" dirty="0" smtClean="0">
-                <a:latin typeface="微软雅黑" pitchFamily="34" charset="-122"/>
-                <a:ea typeface="微软雅黑" pitchFamily="34" charset="-122"/>
-              </a:rPr>
-              <a:t>/local/</a:t>
-            </a:r>
-            <a:r>
-              <a:rPr lang="en-US" altLang="zh-CN" sz="1200" dirty="0" err="1" smtClean="0">
-                <a:latin typeface="微软雅黑" pitchFamily="34" charset="-122"/>
-                <a:ea typeface="微软雅黑" pitchFamily="34" charset="-122"/>
-              </a:rPr>
-              <a:t>redis</a:t>
-            </a:r>
-            <a:r>
-              <a:rPr lang="en-US" altLang="zh-CN" sz="1200" dirty="0" smtClean="0">
-                <a:latin typeface="微软雅黑" pitchFamily="34" charset="-122"/>
-                <a:ea typeface="微软雅黑" pitchFamily="34" charset="-122"/>
-              </a:rPr>
-              <a:t>/</a:t>
-            </a:r>
-            <a:r>
-              <a:rPr lang="en-US" altLang="zh-CN" sz="1200" dirty="0" err="1" smtClean="0">
-                <a:latin typeface="微软雅黑" pitchFamily="34" charset="-122"/>
-                <a:ea typeface="微软雅黑" pitchFamily="34" charset="-122"/>
-              </a:rPr>
-              <a:t>conf</a:t>
-            </a:r>
-            <a:r>
-              <a:rPr lang="en-US" altLang="zh-CN" sz="1200" dirty="0" smtClean="0">
-                <a:latin typeface="微软雅黑" pitchFamily="34" charset="-122"/>
-                <a:ea typeface="微软雅黑" pitchFamily="34" charset="-122"/>
-              </a:rPr>
-              <a:t>/</a:t>
-            </a:r>
-            <a:r>
-              <a:rPr lang="en-US" altLang="zh-CN" sz="1200" dirty="0" err="1" smtClean="0">
-                <a:latin typeface="微软雅黑" pitchFamily="34" charset="-122"/>
-                <a:ea typeface="微软雅黑" pitchFamily="34" charset="-122"/>
-              </a:rPr>
-              <a:t>redis.conf</a:t>
-            </a:r>
-            <a:endParaRPr lang="en-US" altLang="zh-CN" sz="1200" dirty="0" smtClean="0">
-              <a:latin typeface="微软雅黑" pitchFamily="34" charset="-122"/>
-              <a:ea typeface="微软雅黑" pitchFamily="34" charset="-122"/>
-            </a:endParaRPr>
-          </a:p>
-          <a:p>
-            <a:pPr marL="0" indent="0">
-              <a:buNone/>
-            </a:pPr>
-            <a:r>
-              <a:rPr lang="en-US" altLang="zh-CN" sz="1200" dirty="0" smtClean="0">
-                <a:latin typeface="微软雅黑" pitchFamily="34" charset="-122"/>
-                <a:ea typeface="微软雅黑" pitchFamily="34" charset="-122"/>
-              </a:rPr>
-              <a:t> (8) </a:t>
-            </a:r>
-            <a:r>
-              <a:rPr lang="zh-CN" altLang="en-US" sz="1200" dirty="0" smtClean="0">
-                <a:latin typeface="微软雅黑" pitchFamily="34" charset="-122"/>
-                <a:ea typeface="微软雅黑" pitchFamily="34" charset="-122"/>
-              </a:rPr>
-              <a:t>设置开机自启动</a:t>
-            </a:r>
-            <a:endParaRPr lang="en-US" altLang="zh-CN" sz="1200" dirty="0" smtClean="0">
-              <a:latin typeface="微软雅黑" pitchFamily="34" charset="-122"/>
-              <a:ea typeface="微软雅黑" pitchFamily="34" charset="-122"/>
-            </a:endParaRPr>
-          </a:p>
-          <a:p>
-            <a:pPr marL="0" indent="0">
-              <a:buNone/>
-            </a:pPr>
-            <a:r>
-              <a:rPr lang="zh-CN" altLang="en-US" sz="1200" dirty="0" smtClean="0">
-                <a:latin typeface="微软雅黑" pitchFamily="34" charset="-122"/>
-                <a:ea typeface="微软雅黑" pitchFamily="34" charset="-122"/>
-              </a:rPr>
-              <a:t>  将</a:t>
-            </a:r>
-            <a:r>
-              <a:rPr lang="en-US" altLang="zh-CN" sz="1200" dirty="0" smtClean="0">
-                <a:latin typeface="微软雅黑" pitchFamily="34" charset="-122"/>
-                <a:ea typeface="微软雅黑" pitchFamily="34" charset="-122"/>
-              </a:rPr>
-              <a:t>redis-5.0.5/</a:t>
-            </a:r>
-            <a:r>
-              <a:rPr lang="en-US" altLang="zh-CN" sz="1200" dirty="0" err="1" smtClean="0">
-                <a:latin typeface="微软雅黑" pitchFamily="34" charset="-122"/>
-                <a:ea typeface="微软雅黑" pitchFamily="34" charset="-122"/>
-              </a:rPr>
-              <a:t>utils</a:t>
-            </a:r>
-            <a:r>
-              <a:rPr lang="en-US" altLang="zh-CN" sz="1200" dirty="0" smtClean="0">
-                <a:latin typeface="微软雅黑" pitchFamily="34" charset="-122"/>
-                <a:ea typeface="微软雅黑" pitchFamily="34" charset="-122"/>
-              </a:rPr>
-              <a:t>/</a:t>
-            </a:r>
-            <a:r>
-              <a:rPr lang="en-US" altLang="zh-CN" sz="1200" dirty="0" err="1" smtClean="0">
-                <a:latin typeface="微软雅黑" pitchFamily="34" charset="-122"/>
-                <a:ea typeface="微软雅黑" pitchFamily="34" charset="-122"/>
-              </a:rPr>
-              <a:t>redis_init_script</a:t>
-            </a:r>
-            <a:r>
-              <a:rPr lang="zh-CN" altLang="en-US" sz="1200" dirty="0" smtClean="0">
-                <a:latin typeface="微软雅黑" pitchFamily="34" charset="-122"/>
-                <a:ea typeface="微软雅黑" pitchFamily="34" charset="-122"/>
-              </a:rPr>
-              <a:t>拷贝至</a:t>
-            </a:r>
-            <a:r>
-              <a:rPr lang="en-US" altLang="zh-CN" sz="1200" dirty="0" smtClean="0">
-                <a:latin typeface="微软雅黑" pitchFamily="34" charset="-122"/>
-                <a:ea typeface="微软雅黑" pitchFamily="34" charset="-122"/>
-              </a:rPr>
-              <a:t>/</a:t>
-            </a:r>
-            <a:r>
-              <a:rPr lang="en-US" altLang="zh-CN" sz="1200" dirty="0" err="1" smtClean="0">
-                <a:latin typeface="微软雅黑" pitchFamily="34" charset="-122"/>
-                <a:ea typeface="微软雅黑" pitchFamily="34" charset="-122"/>
-              </a:rPr>
-              <a:t>etc</a:t>
-            </a:r>
-            <a:r>
-              <a:rPr lang="en-US" altLang="zh-CN" sz="1200" dirty="0" smtClean="0">
-                <a:latin typeface="微软雅黑" pitchFamily="34" charset="-122"/>
-                <a:ea typeface="微软雅黑" pitchFamily="34" charset="-122"/>
-              </a:rPr>
-              <a:t>/</a:t>
-            </a:r>
-            <a:r>
-              <a:rPr lang="en-US" altLang="zh-CN" sz="1200" dirty="0" err="1" smtClean="0">
-                <a:latin typeface="微软雅黑" pitchFamily="34" charset="-122"/>
-                <a:ea typeface="微软雅黑" pitchFamily="34" charset="-122"/>
-              </a:rPr>
-              <a:t>init.d</a:t>
-            </a:r>
-            <a:r>
-              <a:rPr lang="zh-CN" altLang="en-US" sz="1200" dirty="0" smtClean="0">
-                <a:latin typeface="微软雅黑" pitchFamily="34" charset="-122"/>
-                <a:ea typeface="微软雅黑" pitchFamily="34" charset="-122"/>
-              </a:rPr>
-              <a:t>目录下，并将其重命名为</a:t>
-            </a:r>
-            <a:r>
-              <a:rPr lang="en-US" altLang="zh-CN" sz="1200" dirty="0" err="1" smtClean="0">
-                <a:latin typeface="微软雅黑" pitchFamily="34" charset="-122"/>
-                <a:ea typeface="微软雅黑" pitchFamily="34" charset="-122"/>
-              </a:rPr>
-              <a:t>redis</a:t>
-            </a:r>
-            <a:endParaRPr lang="en-US" altLang="zh-CN" sz="1200" dirty="0" smtClean="0">
-              <a:latin typeface="微软雅黑" pitchFamily="34" charset="-122"/>
-              <a:ea typeface="微软雅黑" pitchFamily="34" charset="-122"/>
-            </a:endParaRPr>
-          </a:p>
-          <a:p>
-            <a:pPr marL="0" indent="0">
-              <a:buNone/>
-            </a:pPr>
-            <a:r>
-              <a:rPr lang="en-US" altLang="zh-CN" sz="1200" dirty="0" smtClean="0">
-                <a:latin typeface="微软雅黑" pitchFamily="34" charset="-122"/>
-                <a:ea typeface="微软雅黑" pitchFamily="34" charset="-122"/>
-              </a:rPr>
-              <a:t> </a:t>
-            </a:r>
-            <a:r>
-              <a:rPr lang="zh-CN" altLang="en-US" sz="1200" dirty="0" smtClean="0">
-                <a:latin typeface="微软雅黑" pitchFamily="34" charset="-122"/>
-                <a:ea typeface="微软雅黑" pitchFamily="34" charset="-122"/>
-              </a:rPr>
-              <a:t>修改其中的变量</a:t>
-            </a:r>
-            <a:endParaRPr lang="en-US" altLang="zh-CN" sz="1200" dirty="0" smtClean="0">
-              <a:latin typeface="微软雅黑" pitchFamily="34" charset="-122"/>
-              <a:ea typeface="微软雅黑" pitchFamily="34" charset="-122"/>
-            </a:endParaRPr>
-          </a:p>
-          <a:p>
-            <a:pPr marL="0" indent="0">
-              <a:buNone/>
-            </a:pPr>
-            <a:r>
-              <a:rPr lang="en-US" altLang="zh-CN" sz="1200" dirty="0" smtClean="0"/>
-              <a:t>  </a:t>
-            </a:r>
-            <a:r>
-              <a:rPr lang="en-US" altLang="zh-CN" sz="1200" dirty="0" err="1" smtClean="0"/>
-              <a:t>chmod</a:t>
-            </a:r>
-            <a:r>
-              <a:rPr lang="en-US" altLang="zh-CN" sz="1200" dirty="0" smtClean="0"/>
-              <a:t> </a:t>
-            </a:r>
-            <a:r>
-              <a:rPr lang="en-US" altLang="zh-CN" sz="1200" dirty="0"/>
-              <a:t>755 </a:t>
-            </a:r>
-            <a:r>
-              <a:rPr lang="en-US" altLang="zh-CN" sz="1200" dirty="0" err="1"/>
-              <a:t>redis</a:t>
-            </a:r>
-            <a:r>
-              <a:rPr lang="en-US" altLang="zh-CN" sz="1200" dirty="0"/>
-              <a:t> </a:t>
-            </a:r>
-            <a:endParaRPr lang="en-US" altLang="zh-CN" sz="1200" dirty="0" smtClean="0"/>
-          </a:p>
-          <a:p>
-            <a:pPr marL="0" indent="0">
-              <a:buNone/>
-            </a:pPr>
-            <a:r>
-              <a:rPr lang="en-US" altLang="zh-CN" sz="1200" dirty="0" smtClean="0"/>
-              <a:t>  </a:t>
-            </a:r>
-            <a:r>
-              <a:rPr lang="en-US" altLang="zh-CN" sz="1200" dirty="0" err="1" smtClean="0"/>
-              <a:t>chkconfig</a:t>
-            </a:r>
-            <a:r>
-              <a:rPr lang="en-US" altLang="zh-CN" sz="1200" dirty="0" smtClean="0"/>
-              <a:t> </a:t>
-            </a:r>
-            <a:r>
-              <a:rPr lang="en-US" altLang="zh-CN" sz="1200" dirty="0" err="1"/>
-              <a:t>redis</a:t>
-            </a:r>
-            <a:r>
-              <a:rPr lang="en-US" altLang="zh-CN" sz="1200" dirty="0"/>
-              <a:t> on </a:t>
-            </a:r>
-            <a:endParaRPr lang="en-US" altLang="zh-CN" sz="1200" dirty="0" smtClean="0"/>
-          </a:p>
-          <a:p>
-            <a:pPr marL="0" indent="0">
-              <a:buNone/>
-            </a:pPr>
-            <a:r>
-              <a:rPr lang="en-US" altLang="zh-CN" sz="1200" dirty="0" smtClean="0"/>
-              <a:t>  service </a:t>
-            </a:r>
-            <a:r>
-              <a:rPr lang="en-US" altLang="zh-CN" sz="1200" dirty="0" err="1"/>
-              <a:t>redis</a:t>
-            </a:r>
-            <a:r>
-              <a:rPr lang="en-US" altLang="zh-CN" sz="1200" dirty="0"/>
-              <a:t> start</a:t>
-            </a:r>
-            <a:endParaRPr lang="en-US" altLang="zh-CN" sz="1200" dirty="0" smtClean="0">
-              <a:latin typeface="微软雅黑" pitchFamily="34" charset="-122"/>
-              <a:ea typeface="微软雅黑" pitchFamily="34" charset="-122"/>
-            </a:endParaRPr>
-          </a:p>
-          <a:p>
-            <a:pPr marL="0" indent="0">
-              <a:buNone/>
-            </a:pPr>
-            <a:endParaRPr lang="en-US" altLang="zh-CN" sz="1400" dirty="0" smtClean="0">
-              <a:latin typeface="微软雅黑" pitchFamily="34" charset="-122"/>
-              <a:ea typeface="微软雅黑" pitchFamily="34" charset="-122"/>
-            </a:endParaRPr>
-          </a:p>
-          <a:p>
-            <a:pPr marL="0" indent="0">
-              <a:buNone/>
-            </a:pPr>
-            <a:r>
-              <a:rPr lang="en-US" altLang="zh-CN" sz="1400" dirty="0" smtClean="0">
-                <a:latin typeface="微软雅黑" pitchFamily="34" charset="-122"/>
-                <a:ea typeface="微软雅黑" pitchFamily="34" charset="-122"/>
-              </a:rPr>
-              <a:t>         </a:t>
-            </a:r>
-            <a:endParaRPr lang="zh-CN" altLang="en-US" sz="1400" dirty="0">
-              <a:latin typeface="微软雅黑" pitchFamily="34" charset="-122"/>
-              <a:ea typeface="微软雅黑" pitchFamily="34" charset="-122"/>
-            </a:endParaRPr>
+            <a:endParaRPr lang="zh-CN" altLang="en-US" dirty="0"/>
           </a:p>
         </p:txBody>
       </p:sp>
     </p:spTree>
     <p:extLst>
       <p:ext uri="{BB962C8B-B14F-4D97-AF65-F5344CB8AC3E}">
-        <p14:creationId xmlns:p14="http://schemas.microsoft.com/office/powerpoint/2010/main" val="2352372338"/>
+        <p14:creationId xmlns:p14="http://schemas.microsoft.com/office/powerpoint/2010/main" val="3678596382"/>
       </p:ext>
     </p:extLst>
   </p:cSld>
@@ -4521,6 +3214,1397 @@
               <a:t>Redis</a:t>
             </a:r>
             <a:r>
+              <a:rPr lang="zh-CN" altLang="en-US" dirty="0" smtClean="0"/>
+              <a:t>安装</a:t>
+            </a:r>
+            <a:endParaRPr lang="zh-CN" altLang="en-US" dirty="0"/>
+          </a:p>
+        </p:txBody>
+      </p:sp>
+      <p:sp>
+        <p:nvSpPr>
+          <p:cNvPr id="3" name="内容占位符 2"/>
+          <p:cNvSpPr>
+            <a:spLocks noGrp="1"/>
+          </p:cNvSpPr>
+          <p:nvPr>
+            <p:ph idx="1"/>
+          </p:nvPr>
+        </p:nvSpPr>
+        <p:spPr/>
+        <p:txBody>
+          <a:bodyPr>
+            <a:normAutofit fontScale="92500" lnSpcReduction="20000"/>
+          </a:bodyPr>
+          <a:lstStyle/>
+          <a:p>
+            <a:pPr marL="0" indent="0">
+              <a:buNone/>
+            </a:pPr>
+            <a:r>
+              <a:rPr lang="en-US" altLang="zh-CN" sz="1800" b="1" dirty="0" smtClean="0">
+                <a:latin typeface="微软雅黑" pitchFamily="34" charset="-122"/>
+                <a:ea typeface="微软雅黑" pitchFamily="34" charset="-122"/>
+              </a:rPr>
+              <a:t>1.</a:t>
+            </a:r>
+            <a:r>
+              <a:rPr lang="zh-CN" altLang="en-US" sz="1800" b="1" dirty="0" smtClean="0">
+                <a:latin typeface="微软雅黑" pitchFamily="34" charset="-122"/>
+                <a:ea typeface="微软雅黑" pitchFamily="34" charset="-122"/>
+              </a:rPr>
+              <a:t>单机安装</a:t>
+            </a:r>
+            <a:endParaRPr lang="en-US" altLang="zh-CN" sz="1800" b="1" dirty="0" smtClean="0">
+              <a:latin typeface="微软雅黑" pitchFamily="34" charset="-122"/>
+              <a:ea typeface="微软雅黑" pitchFamily="34" charset="-122"/>
+            </a:endParaRPr>
+          </a:p>
+          <a:p>
+            <a:pPr marL="0" indent="0">
+              <a:buNone/>
+            </a:pPr>
+            <a:r>
+              <a:rPr lang="zh-CN" altLang="en-US" sz="1200" dirty="0" smtClean="0">
+                <a:latin typeface="微软雅黑" pitchFamily="34" charset="-122"/>
+                <a:ea typeface="微软雅黑" pitchFamily="34" charset="-122"/>
+              </a:rPr>
+              <a:t>（</a:t>
+            </a:r>
+            <a:r>
+              <a:rPr lang="en-US" altLang="zh-CN" sz="1200" dirty="0" smtClean="0">
+                <a:latin typeface="微软雅黑" pitchFamily="34" charset="-122"/>
+                <a:ea typeface="微软雅黑" pitchFamily="34" charset="-122"/>
+              </a:rPr>
+              <a:t>1</a:t>
+            </a:r>
+            <a:r>
+              <a:rPr lang="zh-CN" altLang="en-US" sz="1200" dirty="0" smtClean="0">
+                <a:latin typeface="微软雅黑" pitchFamily="34" charset="-122"/>
+                <a:ea typeface="微软雅黑" pitchFamily="34" charset="-122"/>
+              </a:rPr>
+              <a:t>）安装</a:t>
+            </a:r>
+            <a:r>
+              <a:rPr lang="en-US" altLang="zh-CN" sz="1200" dirty="0" err="1" smtClean="0">
+                <a:latin typeface="微软雅黑" pitchFamily="34" charset="-122"/>
+                <a:ea typeface="微软雅黑" pitchFamily="34" charset="-122"/>
+              </a:rPr>
+              <a:t>gcc</a:t>
+            </a:r>
+            <a:r>
+              <a:rPr lang="en-US" altLang="zh-CN" sz="1200" dirty="0" smtClean="0">
+                <a:latin typeface="微软雅黑" pitchFamily="34" charset="-122"/>
+                <a:ea typeface="微软雅黑" pitchFamily="34" charset="-122"/>
+              </a:rPr>
+              <a:t>  </a:t>
+            </a:r>
+            <a:r>
+              <a:rPr lang="en-US" altLang="zh-CN" sz="1200" dirty="0">
+                <a:latin typeface="微软雅黑" pitchFamily="34" charset="-122"/>
+                <a:ea typeface="微软雅黑" pitchFamily="34" charset="-122"/>
+              </a:rPr>
+              <a:t>yum install </a:t>
+            </a:r>
+            <a:r>
+              <a:rPr lang="en-US" altLang="zh-CN" sz="1200" dirty="0" err="1">
+                <a:latin typeface="微软雅黑" pitchFamily="34" charset="-122"/>
+                <a:ea typeface="微软雅黑" pitchFamily="34" charset="-122"/>
+              </a:rPr>
+              <a:t>gcc-c</a:t>
+            </a:r>
+            <a:r>
+              <a:rPr lang="en-US" altLang="zh-CN" sz="1200" dirty="0">
+                <a:latin typeface="微软雅黑" pitchFamily="34" charset="-122"/>
+                <a:ea typeface="微软雅黑" pitchFamily="34" charset="-122"/>
+              </a:rPr>
+              <a:t>++</a:t>
+            </a:r>
+            <a:endParaRPr lang="en-US" altLang="zh-CN" sz="1200" dirty="0" smtClean="0">
+              <a:latin typeface="微软雅黑" pitchFamily="34" charset="-122"/>
+              <a:ea typeface="微软雅黑" pitchFamily="34" charset="-122"/>
+            </a:endParaRPr>
+          </a:p>
+          <a:p>
+            <a:pPr marL="0" indent="0">
+              <a:buNone/>
+            </a:pPr>
+            <a:r>
+              <a:rPr lang="zh-CN" altLang="en-US" sz="1200" dirty="0" smtClean="0">
+                <a:latin typeface="微软雅黑" pitchFamily="34" charset="-122"/>
+                <a:ea typeface="微软雅黑" pitchFamily="34" charset="-122"/>
+              </a:rPr>
+              <a:t>（</a:t>
+            </a:r>
+            <a:r>
+              <a:rPr lang="en-US" altLang="zh-CN" sz="1200" dirty="0" smtClean="0">
+                <a:latin typeface="微软雅黑" pitchFamily="34" charset="-122"/>
+                <a:ea typeface="微软雅黑" pitchFamily="34" charset="-122"/>
+              </a:rPr>
+              <a:t>2</a:t>
+            </a:r>
+            <a:r>
+              <a:rPr lang="zh-CN" altLang="en-US" sz="1200" dirty="0" smtClean="0">
+                <a:latin typeface="微软雅黑" pitchFamily="34" charset="-122"/>
+                <a:ea typeface="微软雅黑" pitchFamily="34" charset="-122"/>
+              </a:rPr>
+              <a:t>）创建</a:t>
+            </a:r>
+            <a:r>
+              <a:rPr lang="en-US" altLang="zh-CN" sz="1200" dirty="0" err="1" smtClean="0">
+                <a:latin typeface="微软雅黑" pitchFamily="34" charset="-122"/>
+                <a:ea typeface="微软雅黑" pitchFamily="34" charset="-122"/>
+              </a:rPr>
+              <a:t>redis</a:t>
+            </a:r>
+            <a:r>
+              <a:rPr lang="zh-CN" altLang="en-US" sz="1200" dirty="0" smtClean="0">
+                <a:latin typeface="微软雅黑" pitchFamily="34" charset="-122"/>
+                <a:ea typeface="微软雅黑" pitchFamily="34" charset="-122"/>
+              </a:rPr>
+              <a:t>目录 </a:t>
+            </a:r>
+            <a:r>
+              <a:rPr lang="en-US" altLang="zh-CN" sz="1200" dirty="0" err="1" smtClean="0">
+                <a:latin typeface="微软雅黑" pitchFamily="34" charset="-122"/>
+                <a:ea typeface="微软雅黑" pitchFamily="34" charset="-122"/>
+              </a:rPr>
+              <a:t>mkdir</a:t>
+            </a:r>
+            <a:r>
+              <a:rPr lang="en-US" altLang="zh-CN" sz="1200" dirty="0" smtClean="0">
+                <a:latin typeface="微软雅黑" pitchFamily="34" charset="-122"/>
+                <a:ea typeface="微软雅黑" pitchFamily="34" charset="-122"/>
+              </a:rPr>
+              <a:t> /</a:t>
+            </a:r>
+            <a:r>
+              <a:rPr lang="en-US" altLang="zh-CN" sz="1200" dirty="0" err="1" smtClean="0">
+                <a:latin typeface="微软雅黑" pitchFamily="34" charset="-122"/>
+                <a:ea typeface="微软雅黑" pitchFamily="34" charset="-122"/>
+              </a:rPr>
+              <a:t>usr</a:t>
+            </a:r>
+            <a:r>
+              <a:rPr lang="en-US" altLang="zh-CN" sz="1200" dirty="0" smtClean="0">
+                <a:latin typeface="微软雅黑" pitchFamily="34" charset="-122"/>
+                <a:ea typeface="微软雅黑" pitchFamily="34" charset="-122"/>
+              </a:rPr>
+              <a:t>/local/</a:t>
+            </a:r>
+            <a:r>
+              <a:rPr lang="en-US" altLang="zh-CN" sz="1200" dirty="0" err="1" smtClean="0">
+                <a:latin typeface="微软雅黑" pitchFamily="34" charset="-122"/>
+                <a:ea typeface="微软雅黑" pitchFamily="34" charset="-122"/>
+              </a:rPr>
+              <a:t>redis</a:t>
+            </a:r>
+            <a:endParaRPr lang="en-US" altLang="zh-CN" sz="1200" dirty="0" smtClean="0">
+              <a:latin typeface="微软雅黑" pitchFamily="34" charset="-122"/>
+              <a:ea typeface="微软雅黑" pitchFamily="34" charset="-122"/>
+            </a:endParaRPr>
+          </a:p>
+          <a:p>
+            <a:pPr marL="0" indent="0">
+              <a:buNone/>
+            </a:pPr>
+            <a:r>
+              <a:rPr lang="en-US" altLang="zh-CN" sz="1200" dirty="0">
+                <a:latin typeface="微软雅黑" pitchFamily="34" charset="-122"/>
+                <a:ea typeface="微软雅黑" pitchFamily="34" charset="-122"/>
+              </a:rPr>
+              <a:t> </a:t>
+            </a:r>
+            <a:r>
+              <a:rPr lang="en-US" altLang="zh-CN" sz="1200" dirty="0" smtClean="0">
+                <a:latin typeface="微软雅黑" pitchFamily="34" charset="-122"/>
+                <a:ea typeface="微软雅黑" pitchFamily="34" charset="-122"/>
+              </a:rPr>
+              <a:t>        </a:t>
+            </a:r>
+            <a:r>
+              <a:rPr lang="zh-CN" altLang="en-US" sz="1200" dirty="0" smtClean="0">
+                <a:latin typeface="微软雅黑" pitchFamily="34" charset="-122"/>
+                <a:ea typeface="微软雅黑" pitchFamily="34" charset="-122"/>
+              </a:rPr>
+              <a:t>解压 </a:t>
+            </a:r>
+            <a:r>
+              <a:rPr lang="en-US" altLang="zh-CN" sz="1200" dirty="0" smtClean="0">
+                <a:latin typeface="微软雅黑" pitchFamily="34" charset="-122"/>
+                <a:ea typeface="微软雅黑" pitchFamily="34" charset="-122"/>
+              </a:rPr>
+              <a:t>tar </a:t>
+            </a:r>
+            <a:r>
+              <a:rPr lang="en-US" altLang="zh-CN" sz="1200" dirty="0">
+                <a:latin typeface="微软雅黑" pitchFamily="34" charset="-122"/>
+                <a:ea typeface="微软雅黑" pitchFamily="34" charset="-122"/>
+              </a:rPr>
+              <a:t>-</a:t>
+            </a:r>
+            <a:r>
+              <a:rPr lang="en-US" altLang="zh-CN" sz="1200" dirty="0" err="1">
+                <a:latin typeface="微软雅黑" pitchFamily="34" charset="-122"/>
+                <a:ea typeface="微软雅黑" pitchFamily="34" charset="-122"/>
+              </a:rPr>
+              <a:t>zxvf</a:t>
+            </a:r>
+            <a:r>
+              <a:rPr lang="en-US" altLang="zh-CN" sz="1200" dirty="0">
+                <a:latin typeface="微软雅黑" pitchFamily="34" charset="-122"/>
+                <a:ea typeface="微软雅黑" pitchFamily="34" charset="-122"/>
+              </a:rPr>
+              <a:t> </a:t>
+            </a:r>
+            <a:r>
+              <a:rPr lang="en-US" altLang="zh-CN" sz="1200" dirty="0" smtClean="0">
+                <a:latin typeface="微软雅黑" pitchFamily="34" charset="-122"/>
+                <a:ea typeface="微软雅黑" pitchFamily="34" charset="-122"/>
+              </a:rPr>
+              <a:t>redis-5.0.5.tar.gz</a:t>
+            </a:r>
+          </a:p>
+          <a:p>
+            <a:pPr marL="0" indent="0">
+              <a:buNone/>
+            </a:pPr>
+            <a:r>
+              <a:rPr lang="en-US" altLang="zh-CN" sz="1200" dirty="0" smtClean="0">
+                <a:latin typeface="微软雅黑" pitchFamily="34" charset="-122"/>
+                <a:ea typeface="微软雅黑" pitchFamily="34" charset="-122"/>
+              </a:rPr>
+              <a:t>         cd redis-5.0.5   </a:t>
+            </a:r>
+          </a:p>
+          <a:p>
+            <a:pPr marL="0" indent="0">
+              <a:buNone/>
+            </a:pPr>
+            <a:r>
+              <a:rPr lang="en-US" altLang="zh-CN" sz="1200" dirty="0" smtClean="0">
+                <a:latin typeface="微软雅黑" pitchFamily="34" charset="-122"/>
+                <a:ea typeface="微软雅黑" pitchFamily="34" charset="-122"/>
+              </a:rPr>
+              <a:t>         # </a:t>
+            </a:r>
+            <a:r>
+              <a:rPr lang="zh-CN" altLang="en-US" sz="1200" dirty="0">
+                <a:latin typeface="微软雅黑" pitchFamily="34" charset="-122"/>
+                <a:ea typeface="微软雅黑" pitchFamily="34" charset="-122"/>
+              </a:rPr>
+              <a:t>指定内存池类型，提高性能 </a:t>
+            </a:r>
+            <a:r>
+              <a:rPr lang="en-US" altLang="zh-CN" sz="1200" dirty="0">
+                <a:latin typeface="微软雅黑" pitchFamily="34" charset="-122"/>
+                <a:ea typeface="微软雅黑" pitchFamily="34" charset="-122"/>
+              </a:rPr>
+              <a:t>make </a:t>
+            </a:r>
+            <a:r>
+              <a:rPr lang="en-US" altLang="zh-CN" sz="1200" dirty="0" smtClean="0">
+                <a:latin typeface="微软雅黑" pitchFamily="34" charset="-122"/>
+                <a:ea typeface="微软雅黑" pitchFamily="34" charset="-122"/>
+              </a:rPr>
+              <a:t>MALLOC=</a:t>
+            </a:r>
+            <a:r>
+              <a:rPr lang="en-US" altLang="zh-CN" sz="1200" dirty="0" err="1" smtClean="0">
+                <a:latin typeface="微软雅黑" pitchFamily="34" charset="-122"/>
+                <a:ea typeface="微软雅黑" pitchFamily="34" charset="-122"/>
+              </a:rPr>
+              <a:t>libc</a:t>
+            </a:r>
+            <a:endParaRPr lang="en-US" altLang="zh-CN" sz="1200" dirty="0" smtClean="0">
+              <a:latin typeface="微软雅黑" pitchFamily="34" charset="-122"/>
+              <a:ea typeface="微软雅黑" pitchFamily="34" charset="-122"/>
+            </a:endParaRPr>
+          </a:p>
+          <a:p>
+            <a:pPr marL="0" indent="0">
+              <a:buNone/>
+            </a:pPr>
+            <a:r>
+              <a:rPr lang="en-US" altLang="zh-CN" sz="1200" dirty="0">
+                <a:latin typeface="微软雅黑" pitchFamily="34" charset="-122"/>
+                <a:ea typeface="微软雅黑" pitchFamily="34" charset="-122"/>
+              </a:rPr>
+              <a:t> </a:t>
+            </a:r>
+            <a:r>
+              <a:rPr lang="en-US" altLang="zh-CN" sz="1200" dirty="0" smtClean="0">
+                <a:latin typeface="微软雅黑" pitchFamily="34" charset="-122"/>
+                <a:ea typeface="微软雅黑" pitchFamily="34" charset="-122"/>
+              </a:rPr>
+              <a:t>        </a:t>
+            </a:r>
+            <a:r>
+              <a:rPr lang="zh-CN" altLang="en-US" sz="1200" dirty="0" smtClean="0">
+                <a:latin typeface="微软雅黑" pitchFamily="34" charset="-122"/>
+                <a:ea typeface="微软雅黑" pitchFamily="34" charset="-122"/>
+              </a:rPr>
+              <a:t>编译安装</a:t>
+            </a:r>
+            <a:r>
+              <a:rPr lang="en-US" altLang="zh-CN" sz="1200" dirty="0" smtClean="0">
+                <a:latin typeface="微软雅黑" pitchFamily="34" charset="-122"/>
+                <a:ea typeface="微软雅黑" pitchFamily="34" charset="-122"/>
+              </a:rPr>
+              <a:t>cd </a:t>
+            </a:r>
+            <a:r>
+              <a:rPr lang="en-US" altLang="zh-CN" sz="1200" dirty="0" err="1">
+                <a:latin typeface="微软雅黑" pitchFamily="34" charset="-122"/>
+                <a:ea typeface="微软雅黑" pitchFamily="34" charset="-122"/>
+              </a:rPr>
+              <a:t>src</a:t>
+            </a:r>
+            <a:r>
+              <a:rPr lang="en-US" altLang="zh-CN" sz="1200" dirty="0">
+                <a:latin typeface="微软雅黑" pitchFamily="34" charset="-122"/>
+                <a:ea typeface="微软雅黑" pitchFamily="34" charset="-122"/>
+              </a:rPr>
+              <a:t> </a:t>
+            </a:r>
+            <a:r>
+              <a:rPr lang="en-US" altLang="zh-CN" sz="1200" dirty="0" smtClean="0">
+                <a:latin typeface="微软雅黑" pitchFamily="34" charset="-122"/>
+                <a:ea typeface="微软雅黑" pitchFamily="34" charset="-122"/>
+              </a:rPr>
+              <a:t>  make </a:t>
+            </a:r>
+            <a:r>
+              <a:rPr lang="en-US" altLang="zh-CN" sz="1200" dirty="0">
+                <a:latin typeface="微软雅黑" pitchFamily="34" charset="-122"/>
+                <a:ea typeface="微软雅黑" pitchFamily="34" charset="-122"/>
+              </a:rPr>
+              <a:t>PREFIX=/</a:t>
+            </a:r>
+            <a:r>
+              <a:rPr lang="en-US" altLang="zh-CN" sz="1200" dirty="0" err="1">
+                <a:latin typeface="微软雅黑" pitchFamily="34" charset="-122"/>
+                <a:ea typeface="微软雅黑" pitchFamily="34" charset="-122"/>
+              </a:rPr>
+              <a:t>usr</a:t>
+            </a:r>
+            <a:r>
+              <a:rPr lang="en-US" altLang="zh-CN" sz="1200" dirty="0">
+                <a:latin typeface="微软雅黑" pitchFamily="34" charset="-122"/>
+                <a:ea typeface="微软雅黑" pitchFamily="34" charset="-122"/>
+              </a:rPr>
+              <a:t>/local/</a:t>
+            </a:r>
+            <a:r>
+              <a:rPr lang="en-US" altLang="zh-CN" sz="1200" dirty="0" err="1">
+                <a:latin typeface="微软雅黑" pitchFamily="34" charset="-122"/>
+                <a:ea typeface="微软雅黑" pitchFamily="34" charset="-122"/>
+              </a:rPr>
+              <a:t>redis</a:t>
+            </a:r>
+            <a:r>
+              <a:rPr lang="en-US" altLang="zh-CN" sz="1200" dirty="0">
+                <a:latin typeface="微软雅黑" pitchFamily="34" charset="-122"/>
+                <a:ea typeface="微软雅黑" pitchFamily="34" charset="-122"/>
+              </a:rPr>
+              <a:t> </a:t>
+            </a:r>
+            <a:r>
+              <a:rPr lang="en-US" altLang="zh-CN" sz="1200" dirty="0" smtClean="0">
+                <a:latin typeface="微软雅黑" pitchFamily="34" charset="-122"/>
+                <a:ea typeface="微软雅黑" pitchFamily="34" charset="-122"/>
+              </a:rPr>
+              <a:t>install</a:t>
+            </a:r>
+          </a:p>
+          <a:p>
+            <a:pPr marL="0" indent="0">
+              <a:buNone/>
+            </a:pPr>
+            <a:r>
+              <a:rPr lang="zh-CN" altLang="en-US" sz="1200" dirty="0" smtClean="0">
+                <a:latin typeface="微软雅黑" pitchFamily="34" charset="-122"/>
+                <a:ea typeface="微软雅黑" pitchFamily="34" charset="-122"/>
+              </a:rPr>
+              <a:t>（</a:t>
+            </a:r>
+            <a:r>
+              <a:rPr lang="en-US" altLang="zh-CN" sz="1200" dirty="0" smtClean="0">
+                <a:latin typeface="微软雅黑" pitchFamily="34" charset="-122"/>
+                <a:ea typeface="微软雅黑" pitchFamily="34" charset="-122"/>
+              </a:rPr>
+              <a:t>3</a:t>
+            </a:r>
+            <a:r>
+              <a:rPr lang="zh-CN" altLang="en-US" sz="1200" dirty="0" smtClean="0">
+                <a:latin typeface="微软雅黑" pitchFamily="34" charset="-122"/>
+                <a:ea typeface="微软雅黑" pitchFamily="34" charset="-122"/>
+              </a:rPr>
+              <a:t>）</a:t>
+            </a:r>
+            <a:r>
+              <a:rPr lang="zh-CN" altLang="en-US" sz="1200" dirty="0">
+                <a:latin typeface="微软雅黑" pitchFamily="34" charset="-122"/>
+                <a:ea typeface="微软雅黑" pitchFamily="34" charset="-122"/>
+              </a:rPr>
+              <a:t>添加</a:t>
+            </a:r>
+            <a:r>
+              <a:rPr lang="en-US" altLang="zh-CN" sz="1200" dirty="0" err="1">
+                <a:latin typeface="微软雅黑" pitchFamily="34" charset="-122"/>
+                <a:ea typeface="微软雅黑" pitchFamily="34" charset="-122"/>
+              </a:rPr>
+              <a:t>redis</a:t>
+            </a:r>
+            <a:r>
+              <a:rPr lang="zh-CN" altLang="en-US" sz="1200" dirty="0">
+                <a:latin typeface="微软雅黑" pitchFamily="34" charset="-122"/>
+                <a:ea typeface="微软雅黑" pitchFamily="34" charset="-122"/>
+              </a:rPr>
+              <a:t>到命令到全局变量，方便在任何目录</a:t>
+            </a:r>
+            <a:r>
+              <a:rPr lang="zh-CN" altLang="en-US" sz="1200" dirty="0" smtClean="0">
+                <a:latin typeface="微软雅黑" pitchFamily="34" charset="-122"/>
+                <a:ea typeface="微软雅黑" pitchFamily="34" charset="-122"/>
+              </a:rPr>
+              <a:t>执行</a:t>
+            </a:r>
+            <a:r>
+              <a:rPr lang="en-US" altLang="zh-CN" sz="1200" dirty="0" smtClean="0">
+                <a:latin typeface="微软雅黑" pitchFamily="34" charset="-122"/>
+                <a:ea typeface="微软雅黑" pitchFamily="34" charset="-122"/>
+              </a:rPr>
+              <a:t>(</a:t>
+            </a:r>
+            <a:r>
+              <a:rPr lang="zh-CN" altLang="en-US" sz="1200" dirty="0" smtClean="0">
+                <a:latin typeface="微软雅黑" pitchFamily="34" charset="-122"/>
+                <a:ea typeface="微软雅黑" pitchFamily="34" charset="-122"/>
+              </a:rPr>
+              <a:t>可选</a:t>
+            </a:r>
+            <a:r>
+              <a:rPr lang="en-US" altLang="zh-CN" sz="1200" dirty="0" smtClean="0">
+                <a:latin typeface="微软雅黑" pitchFamily="34" charset="-122"/>
+                <a:ea typeface="微软雅黑" pitchFamily="34" charset="-122"/>
+              </a:rPr>
+              <a:t>)</a:t>
+            </a:r>
+          </a:p>
+          <a:p>
+            <a:pPr marL="0" indent="0">
+              <a:buNone/>
+            </a:pPr>
+            <a:r>
+              <a:rPr lang="en-US" altLang="zh-CN" sz="1200" dirty="0" smtClean="0">
+                <a:latin typeface="微软雅黑" pitchFamily="34" charset="-122"/>
+                <a:ea typeface="微软雅黑" pitchFamily="34" charset="-122"/>
+              </a:rPr>
+              <a:t>         </a:t>
+            </a:r>
+            <a:r>
+              <a:rPr lang="en-US" altLang="zh-CN" sz="1200" dirty="0">
+                <a:latin typeface="微软雅黑" pitchFamily="34" charset="-122"/>
+                <a:ea typeface="微软雅黑" pitchFamily="34" charset="-122"/>
+              </a:rPr>
+              <a:t>vi /</a:t>
+            </a:r>
+            <a:r>
+              <a:rPr lang="en-US" altLang="zh-CN" sz="1200" dirty="0" err="1">
+                <a:latin typeface="微软雅黑" pitchFamily="34" charset="-122"/>
+                <a:ea typeface="微软雅黑" pitchFamily="34" charset="-122"/>
+              </a:rPr>
+              <a:t>etc</a:t>
+            </a:r>
+            <a:r>
+              <a:rPr lang="en-US" altLang="zh-CN" sz="1200" dirty="0">
+                <a:latin typeface="微软雅黑" pitchFamily="34" charset="-122"/>
+                <a:ea typeface="微软雅黑" pitchFamily="34" charset="-122"/>
+              </a:rPr>
+              <a:t>/profile </a:t>
+            </a:r>
+            <a:r>
+              <a:rPr lang="en-US" altLang="zh-CN" sz="1200" dirty="0" smtClean="0">
+                <a:latin typeface="微软雅黑" pitchFamily="34" charset="-122"/>
+                <a:ea typeface="微软雅黑" pitchFamily="34" charset="-122"/>
+              </a:rPr>
+              <a:t>  # </a:t>
+            </a:r>
+            <a:r>
+              <a:rPr lang="zh-CN" altLang="en-US" sz="1200" dirty="0">
+                <a:latin typeface="微软雅黑" pitchFamily="34" charset="-122"/>
+                <a:ea typeface="微软雅黑" pitchFamily="34" charset="-122"/>
+              </a:rPr>
+              <a:t>在最后行添加</a:t>
+            </a:r>
+            <a:r>
+              <a:rPr lang="en-US" altLang="zh-CN" sz="1200" dirty="0" smtClean="0">
+                <a:latin typeface="微软雅黑" pitchFamily="34" charset="-122"/>
+                <a:ea typeface="微软雅黑" pitchFamily="34" charset="-122"/>
+              </a:rPr>
+              <a:t>:   </a:t>
+            </a:r>
+            <a:r>
+              <a:rPr lang="zh-CN" altLang="en-US" sz="1200" dirty="0" smtClean="0">
+                <a:latin typeface="微软雅黑" pitchFamily="34" charset="-122"/>
+                <a:ea typeface="微软雅黑" pitchFamily="34" charset="-122"/>
+              </a:rPr>
+              <a:t> </a:t>
+            </a:r>
+            <a:r>
+              <a:rPr lang="en-US" altLang="zh-CN" sz="1200" dirty="0">
+                <a:latin typeface="微软雅黑" pitchFamily="34" charset="-122"/>
+                <a:ea typeface="微软雅黑" pitchFamily="34" charset="-122"/>
+              </a:rPr>
+              <a:t>export PATH="$PATH:/</a:t>
+            </a:r>
+            <a:r>
+              <a:rPr lang="en-US" altLang="zh-CN" sz="1200" dirty="0" err="1" smtClean="0">
+                <a:latin typeface="微软雅黑" pitchFamily="34" charset="-122"/>
+                <a:ea typeface="微软雅黑" pitchFamily="34" charset="-122"/>
+              </a:rPr>
+              <a:t>usr</a:t>
+            </a:r>
+            <a:r>
+              <a:rPr lang="en-US" altLang="zh-CN" sz="1200" dirty="0" smtClean="0">
+                <a:latin typeface="微软雅黑" pitchFamily="34" charset="-122"/>
+                <a:ea typeface="微软雅黑" pitchFamily="34" charset="-122"/>
+              </a:rPr>
+              <a:t>/local/</a:t>
+            </a:r>
+            <a:r>
+              <a:rPr lang="en-US" altLang="zh-CN" sz="1200" dirty="0" err="1" smtClean="0">
+                <a:latin typeface="微软雅黑" pitchFamily="34" charset="-122"/>
+                <a:ea typeface="微软雅黑" pitchFamily="34" charset="-122"/>
+              </a:rPr>
+              <a:t>redis</a:t>
+            </a:r>
+            <a:r>
+              <a:rPr lang="en-US" altLang="zh-CN" sz="1200" dirty="0" smtClean="0">
+                <a:latin typeface="微软雅黑" pitchFamily="34" charset="-122"/>
+                <a:ea typeface="微软雅黑" pitchFamily="34" charset="-122"/>
+              </a:rPr>
+              <a:t>/bin“</a:t>
+            </a:r>
+          </a:p>
+          <a:p>
+            <a:pPr marL="0" indent="0">
+              <a:buNone/>
+            </a:pPr>
+            <a:r>
+              <a:rPr lang="zh-CN" altLang="en-US" sz="1200" dirty="0" smtClean="0">
+                <a:latin typeface="微软雅黑" pitchFamily="34" charset="-122"/>
+                <a:ea typeface="微软雅黑" pitchFamily="34" charset="-122"/>
+              </a:rPr>
+              <a:t>（</a:t>
+            </a:r>
+            <a:r>
+              <a:rPr lang="en-US" altLang="zh-CN" sz="1200" dirty="0" smtClean="0">
+                <a:latin typeface="微软雅黑" pitchFamily="34" charset="-122"/>
+                <a:ea typeface="微软雅黑" pitchFamily="34" charset="-122"/>
+              </a:rPr>
+              <a:t>4</a:t>
+            </a:r>
+            <a:r>
+              <a:rPr lang="zh-CN" altLang="en-US" sz="1200" dirty="0" smtClean="0">
+                <a:latin typeface="微软雅黑" pitchFamily="34" charset="-122"/>
+                <a:ea typeface="微软雅黑" pitchFamily="34" charset="-122"/>
+              </a:rPr>
+              <a:t>）</a:t>
+            </a:r>
+            <a:r>
+              <a:rPr lang="zh-CN" altLang="en-US" sz="1200" dirty="0">
+                <a:latin typeface="微软雅黑" pitchFamily="34" charset="-122"/>
+                <a:ea typeface="微软雅黑" pitchFamily="34" charset="-122"/>
+              </a:rPr>
+              <a:t>将</a:t>
+            </a:r>
+            <a:r>
+              <a:rPr lang="en-US" altLang="zh-CN" sz="1200" dirty="0">
+                <a:latin typeface="微软雅黑" pitchFamily="34" charset="-122"/>
+                <a:ea typeface="微软雅黑" pitchFamily="34" charset="-122"/>
+              </a:rPr>
+              <a:t>redis-5.0.5</a:t>
+            </a:r>
+            <a:r>
+              <a:rPr lang="zh-CN" altLang="en-US" sz="1200" dirty="0">
+                <a:latin typeface="微软雅黑" pitchFamily="34" charset="-122"/>
+                <a:ea typeface="微软雅黑" pitchFamily="34" charset="-122"/>
+              </a:rPr>
+              <a:t>目录下的 </a:t>
+            </a:r>
+            <a:r>
+              <a:rPr lang="en-US" altLang="zh-CN" sz="1200" dirty="0" err="1">
+                <a:latin typeface="微软雅黑" pitchFamily="34" charset="-122"/>
+                <a:ea typeface="微软雅黑" pitchFamily="34" charset="-122"/>
+              </a:rPr>
+              <a:t>redis.conf</a:t>
+            </a:r>
+            <a:r>
+              <a:rPr lang="en-US" altLang="zh-CN" sz="1200" dirty="0">
+                <a:latin typeface="微软雅黑" pitchFamily="34" charset="-122"/>
+                <a:ea typeface="微软雅黑" pitchFamily="34" charset="-122"/>
+              </a:rPr>
+              <a:t> </a:t>
+            </a:r>
+            <a:r>
+              <a:rPr lang="zh-CN" altLang="en-US" sz="1200" dirty="0">
+                <a:latin typeface="微软雅黑" pitchFamily="34" charset="-122"/>
+                <a:ea typeface="微软雅黑" pitchFamily="34" charset="-122"/>
+              </a:rPr>
+              <a:t>移动</a:t>
+            </a:r>
+            <a:r>
+              <a:rPr lang="zh-CN" altLang="en-US" sz="1200" dirty="0" smtClean="0">
+                <a:latin typeface="微软雅黑" pitchFamily="34" charset="-122"/>
+                <a:ea typeface="微软雅黑" pitchFamily="34" charset="-122"/>
+              </a:rPr>
+              <a:t>到</a:t>
+            </a:r>
+            <a:r>
+              <a:rPr lang="en-US" altLang="zh-CN" sz="1200" dirty="0">
+                <a:latin typeface="微软雅黑" pitchFamily="34" charset="-122"/>
+                <a:ea typeface="微软雅黑" pitchFamily="34" charset="-122"/>
+              </a:rPr>
+              <a:t>/</a:t>
+            </a:r>
+            <a:r>
+              <a:rPr lang="en-US" altLang="zh-CN" sz="1200" dirty="0" err="1" smtClean="0">
+                <a:latin typeface="微软雅黑" pitchFamily="34" charset="-122"/>
+                <a:ea typeface="微软雅黑" pitchFamily="34" charset="-122"/>
+              </a:rPr>
+              <a:t>usr</a:t>
+            </a:r>
+            <a:r>
+              <a:rPr lang="en-US" altLang="zh-CN" sz="1200" dirty="0" smtClean="0">
+                <a:latin typeface="微软雅黑" pitchFamily="34" charset="-122"/>
+                <a:ea typeface="微软雅黑" pitchFamily="34" charset="-122"/>
+              </a:rPr>
+              <a:t>/local/</a:t>
+            </a:r>
+            <a:r>
+              <a:rPr lang="en-US" altLang="zh-CN" sz="1200" dirty="0" err="1" smtClean="0">
+                <a:latin typeface="微软雅黑" pitchFamily="34" charset="-122"/>
+                <a:ea typeface="微软雅黑" pitchFamily="34" charset="-122"/>
+              </a:rPr>
+              <a:t>redis</a:t>
+            </a:r>
+            <a:r>
+              <a:rPr lang="en-US" altLang="zh-CN" sz="1200" dirty="0" smtClean="0">
+                <a:latin typeface="微软雅黑" pitchFamily="34" charset="-122"/>
+                <a:ea typeface="微软雅黑" pitchFamily="34" charset="-122"/>
+              </a:rPr>
+              <a:t>/</a:t>
+            </a:r>
+            <a:r>
+              <a:rPr lang="en-US" altLang="zh-CN" sz="1200" dirty="0" err="1" smtClean="0">
+                <a:latin typeface="微软雅黑" pitchFamily="34" charset="-122"/>
+                <a:ea typeface="微软雅黑" pitchFamily="34" charset="-122"/>
+              </a:rPr>
+              <a:t>conf</a:t>
+            </a:r>
+            <a:endParaRPr lang="en-US" altLang="zh-CN" sz="1200" dirty="0" smtClean="0">
+              <a:latin typeface="微软雅黑" pitchFamily="34" charset="-122"/>
+              <a:ea typeface="微软雅黑" pitchFamily="34" charset="-122"/>
+            </a:endParaRPr>
+          </a:p>
+          <a:p>
+            <a:pPr marL="0" indent="0">
+              <a:buNone/>
+            </a:pPr>
+            <a:r>
+              <a:rPr lang="en-US" altLang="zh-CN" sz="1200" dirty="0">
+                <a:latin typeface="微软雅黑" pitchFamily="34" charset="-122"/>
+                <a:ea typeface="微软雅黑" pitchFamily="34" charset="-122"/>
+              </a:rPr>
+              <a:t> </a:t>
+            </a:r>
+            <a:r>
+              <a:rPr lang="en-US" altLang="zh-CN" sz="1200" dirty="0" smtClean="0">
+                <a:latin typeface="微软雅黑" pitchFamily="34" charset="-122"/>
+                <a:ea typeface="微软雅黑" pitchFamily="34" charset="-122"/>
+              </a:rPr>
+              <a:t> (5)   </a:t>
+            </a:r>
+            <a:r>
+              <a:rPr lang="zh-CN" altLang="en-US" sz="1200" dirty="0" smtClean="0">
+                <a:latin typeface="微软雅黑" pitchFamily="34" charset="-122"/>
+                <a:ea typeface="微软雅黑" pitchFamily="34" charset="-122"/>
+              </a:rPr>
+              <a:t>将</a:t>
+            </a:r>
+            <a:r>
+              <a:rPr lang="en-US" altLang="zh-CN" sz="1200" dirty="0">
+                <a:latin typeface="微软雅黑" pitchFamily="34" charset="-122"/>
+                <a:ea typeface="微软雅黑" pitchFamily="34" charset="-122"/>
+              </a:rPr>
+              <a:t>mkreleasehdr.sh</a:t>
+            </a:r>
+            <a:r>
+              <a:rPr lang="zh-CN" altLang="en-US" sz="1200" dirty="0">
+                <a:latin typeface="微软雅黑" pitchFamily="34" charset="-122"/>
+                <a:ea typeface="微软雅黑" pitchFamily="34" charset="-122"/>
+              </a:rPr>
+              <a:t>、</a:t>
+            </a:r>
+            <a:r>
+              <a:rPr lang="en-US" altLang="zh-CN" sz="1200" dirty="0" err="1">
+                <a:latin typeface="微软雅黑" pitchFamily="34" charset="-122"/>
+                <a:ea typeface="微软雅黑" pitchFamily="34" charset="-122"/>
+              </a:rPr>
+              <a:t>redis</a:t>
+            </a:r>
+            <a:r>
+              <a:rPr lang="en-US" altLang="zh-CN" sz="1200" dirty="0">
+                <a:latin typeface="微软雅黑" pitchFamily="34" charset="-122"/>
+                <a:ea typeface="微软雅黑" pitchFamily="34" charset="-122"/>
+              </a:rPr>
+              <a:t>-benchmark</a:t>
+            </a:r>
+            <a:r>
+              <a:rPr lang="zh-CN" altLang="en-US" sz="1200" dirty="0">
+                <a:latin typeface="微软雅黑" pitchFamily="34" charset="-122"/>
+                <a:ea typeface="微软雅黑" pitchFamily="34" charset="-122"/>
+              </a:rPr>
+              <a:t>、</a:t>
+            </a:r>
+            <a:r>
+              <a:rPr lang="en-US" altLang="zh-CN" sz="1200" dirty="0" err="1">
+                <a:latin typeface="微软雅黑" pitchFamily="34" charset="-122"/>
+                <a:ea typeface="微软雅黑" pitchFamily="34" charset="-122"/>
+              </a:rPr>
+              <a:t>redis</a:t>
+            </a:r>
+            <a:r>
+              <a:rPr lang="en-US" altLang="zh-CN" sz="1200" dirty="0">
+                <a:latin typeface="微软雅黑" pitchFamily="34" charset="-122"/>
+                <a:ea typeface="微软雅黑" pitchFamily="34" charset="-122"/>
+              </a:rPr>
+              <a:t>-check-</a:t>
+            </a:r>
+            <a:r>
+              <a:rPr lang="en-US" altLang="zh-CN" sz="1200" dirty="0" err="1">
+                <a:latin typeface="微软雅黑" pitchFamily="34" charset="-122"/>
+                <a:ea typeface="微软雅黑" pitchFamily="34" charset="-122"/>
+              </a:rPr>
+              <a:t>aof</a:t>
+            </a:r>
+            <a:r>
+              <a:rPr lang="zh-CN" altLang="en-US" sz="1200" dirty="0">
+                <a:latin typeface="微软雅黑" pitchFamily="34" charset="-122"/>
+                <a:ea typeface="微软雅黑" pitchFamily="34" charset="-122"/>
+              </a:rPr>
+              <a:t>、</a:t>
+            </a:r>
+            <a:r>
+              <a:rPr lang="en-US" altLang="zh-CN" sz="1200" dirty="0" err="1">
+                <a:latin typeface="微软雅黑" pitchFamily="34" charset="-122"/>
+                <a:ea typeface="微软雅黑" pitchFamily="34" charset="-122"/>
+              </a:rPr>
+              <a:t>redis</a:t>
+            </a:r>
+            <a:r>
+              <a:rPr lang="en-US" altLang="zh-CN" sz="1200" dirty="0">
+                <a:latin typeface="微软雅黑" pitchFamily="34" charset="-122"/>
+                <a:ea typeface="微软雅黑" pitchFamily="34" charset="-122"/>
+              </a:rPr>
+              <a:t>-cli</a:t>
+            </a:r>
+            <a:r>
+              <a:rPr lang="zh-CN" altLang="en-US" sz="1200" dirty="0">
+                <a:latin typeface="微软雅黑" pitchFamily="34" charset="-122"/>
+                <a:ea typeface="微软雅黑" pitchFamily="34" charset="-122"/>
+              </a:rPr>
+              <a:t>、</a:t>
+            </a:r>
+            <a:r>
+              <a:rPr lang="en-US" altLang="zh-CN" sz="1200" dirty="0" err="1">
+                <a:latin typeface="微软雅黑" pitchFamily="34" charset="-122"/>
+                <a:ea typeface="微软雅黑" pitchFamily="34" charset="-122"/>
+              </a:rPr>
+              <a:t>redis</a:t>
+            </a:r>
+            <a:r>
+              <a:rPr lang="en-US" altLang="zh-CN" sz="1200" dirty="0">
+                <a:latin typeface="微软雅黑" pitchFamily="34" charset="-122"/>
+                <a:ea typeface="微软雅黑" pitchFamily="34" charset="-122"/>
+              </a:rPr>
+              <a:t>-server </a:t>
+            </a:r>
+            <a:r>
+              <a:rPr lang="zh-CN" altLang="en-US" sz="1200" dirty="0">
+                <a:latin typeface="微软雅黑" pitchFamily="34" charset="-122"/>
+                <a:ea typeface="微软雅黑" pitchFamily="34" charset="-122"/>
+              </a:rPr>
+              <a:t>移动到   </a:t>
+            </a:r>
+            <a:r>
+              <a:rPr lang="en-US" altLang="zh-CN" sz="1200" dirty="0">
+                <a:latin typeface="微软雅黑" pitchFamily="34" charset="-122"/>
+                <a:ea typeface="微软雅黑" pitchFamily="34" charset="-122"/>
+              </a:rPr>
+              <a:t>/</a:t>
+            </a:r>
+            <a:r>
+              <a:rPr lang="en-US" altLang="zh-CN" sz="1200" dirty="0" err="1" smtClean="0">
+                <a:latin typeface="微软雅黑" pitchFamily="34" charset="-122"/>
+                <a:ea typeface="微软雅黑" pitchFamily="34" charset="-122"/>
+              </a:rPr>
+              <a:t>usr</a:t>
+            </a:r>
+            <a:r>
+              <a:rPr lang="en-US" altLang="zh-CN" sz="1200" dirty="0" smtClean="0">
+                <a:latin typeface="微软雅黑" pitchFamily="34" charset="-122"/>
+                <a:ea typeface="微软雅黑" pitchFamily="34" charset="-122"/>
+              </a:rPr>
+              <a:t>/local/</a:t>
+            </a:r>
+            <a:r>
+              <a:rPr lang="en-US" altLang="zh-CN" sz="1200" dirty="0" err="1" smtClean="0">
+                <a:latin typeface="微软雅黑" pitchFamily="34" charset="-122"/>
+                <a:ea typeface="微软雅黑" pitchFamily="34" charset="-122"/>
+              </a:rPr>
+              <a:t>redis</a:t>
+            </a:r>
+            <a:r>
+              <a:rPr lang="en-US" altLang="zh-CN" sz="1200" dirty="0" smtClean="0">
+                <a:latin typeface="微软雅黑" pitchFamily="34" charset="-122"/>
+                <a:ea typeface="微软雅黑" pitchFamily="34" charset="-122"/>
+              </a:rPr>
+              <a:t>/bin/</a:t>
+            </a:r>
+          </a:p>
+          <a:p>
+            <a:pPr marL="0" indent="0">
+              <a:buNone/>
+            </a:pPr>
+            <a:r>
+              <a:rPr lang="en-US" altLang="zh-CN" sz="1200" dirty="0" smtClean="0">
+                <a:latin typeface="微软雅黑" pitchFamily="34" charset="-122"/>
+                <a:ea typeface="微软雅黑" pitchFamily="34" charset="-122"/>
+              </a:rPr>
+              <a:t>  (6)  </a:t>
+            </a:r>
+            <a:r>
+              <a:rPr lang="zh-CN" altLang="en-US" sz="1200" dirty="0" smtClean="0">
+                <a:latin typeface="微软雅黑" pitchFamily="34" charset="-122"/>
+                <a:ea typeface="微软雅黑" pitchFamily="34" charset="-122"/>
+              </a:rPr>
+              <a:t>修改</a:t>
+            </a:r>
+            <a:r>
+              <a:rPr lang="en-US" altLang="zh-CN" sz="1200" dirty="0" err="1" smtClean="0">
+                <a:latin typeface="微软雅黑" pitchFamily="34" charset="-122"/>
+                <a:ea typeface="微软雅黑" pitchFamily="34" charset="-122"/>
+              </a:rPr>
+              <a:t>redis.conf</a:t>
+            </a:r>
+            <a:endParaRPr lang="en-US" altLang="zh-CN" sz="1200" dirty="0" smtClean="0">
+              <a:latin typeface="微软雅黑" pitchFamily="34" charset="-122"/>
+              <a:ea typeface="微软雅黑" pitchFamily="34" charset="-122"/>
+            </a:endParaRPr>
+          </a:p>
+          <a:p>
+            <a:pPr marL="0" indent="0">
+              <a:buNone/>
+            </a:pPr>
+            <a:r>
+              <a:rPr lang="en-US" altLang="zh-CN" sz="1200" dirty="0">
+                <a:latin typeface="微软雅黑" pitchFamily="34" charset="-122"/>
+                <a:ea typeface="微软雅黑" pitchFamily="34" charset="-122"/>
+              </a:rPr>
+              <a:t> </a:t>
+            </a:r>
+            <a:r>
+              <a:rPr lang="en-US" altLang="zh-CN" sz="1200" dirty="0" smtClean="0">
+                <a:latin typeface="微软雅黑" pitchFamily="34" charset="-122"/>
+                <a:ea typeface="微软雅黑" pitchFamily="34" charset="-122"/>
+              </a:rPr>
+              <a:t>       </a:t>
+            </a:r>
+            <a:r>
+              <a:rPr lang="en-US" altLang="zh-CN" sz="1200" dirty="0" err="1"/>
+              <a:t>daemonize</a:t>
+            </a:r>
+            <a:r>
+              <a:rPr lang="zh-CN" altLang="en-US" sz="1200" dirty="0"/>
+              <a:t>属性改为</a:t>
+            </a:r>
+            <a:r>
+              <a:rPr lang="en-US" altLang="zh-CN" sz="1200" dirty="0" smtClean="0"/>
+              <a:t>yes  </a:t>
+            </a:r>
+          </a:p>
+          <a:p>
+            <a:pPr marL="0" indent="0">
+              <a:buNone/>
+            </a:pPr>
+            <a:r>
+              <a:rPr lang="en-US" altLang="zh-CN" sz="1200" dirty="0"/>
+              <a:t> </a:t>
+            </a:r>
+            <a:r>
+              <a:rPr lang="en-US" altLang="zh-CN" sz="1200" dirty="0" smtClean="0"/>
+              <a:t>         bind 127.0.0.1</a:t>
+            </a:r>
+            <a:endParaRPr lang="en-US" altLang="zh-CN" sz="1200" dirty="0" smtClean="0">
+              <a:latin typeface="微软雅黑" pitchFamily="34" charset="-122"/>
+              <a:ea typeface="微软雅黑" pitchFamily="34" charset="-122"/>
+            </a:endParaRPr>
+          </a:p>
+          <a:p>
+            <a:pPr marL="0" indent="0">
+              <a:buNone/>
+            </a:pPr>
+            <a:r>
+              <a:rPr lang="en-US" altLang="zh-CN" sz="1200" dirty="0" smtClean="0">
+                <a:latin typeface="微软雅黑" pitchFamily="34" charset="-122"/>
+                <a:ea typeface="微软雅黑" pitchFamily="34" charset="-122"/>
+              </a:rPr>
+              <a:t>        </a:t>
+            </a:r>
+            <a:r>
+              <a:rPr lang="en-US" altLang="zh-CN" sz="1200" dirty="0" smtClean="0"/>
+              <a:t>#</a:t>
+            </a:r>
+            <a:r>
+              <a:rPr lang="en-US" altLang="zh-CN" sz="1200" dirty="0"/>
+              <a:t>save 900 1 #save 300 10 #save 60 </a:t>
+            </a:r>
+            <a:r>
+              <a:rPr lang="en-US" altLang="zh-CN" sz="1200" dirty="0" smtClean="0"/>
+              <a:t>10000 </a:t>
+            </a:r>
+            <a:r>
+              <a:rPr lang="zh-CN" altLang="en-US" sz="1200" dirty="0" smtClean="0"/>
+              <a:t>注释掉持久化</a:t>
+            </a:r>
+            <a:endParaRPr lang="en-US" altLang="zh-CN" sz="1200" dirty="0" smtClean="0"/>
+          </a:p>
+          <a:p>
+            <a:pPr marL="0" indent="0">
+              <a:buNone/>
+            </a:pPr>
+            <a:r>
+              <a:rPr lang="en-US" altLang="zh-CN" sz="1200" dirty="0" smtClean="0">
+                <a:latin typeface="微软雅黑" pitchFamily="34" charset="-122"/>
+                <a:ea typeface="微软雅黑" pitchFamily="34" charset="-122"/>
+              </a:rPr>
+              <a:t> (7)  </a:t>
+            </a:r>
+            <a:r>
+              <a:rPr lang="zh-CN" altLang="en-US" sz="1200" dirty="0" smtClean="0">
+                <a:latin typeface="微软雅黑" pitchFamily="34" charset="-122"/>
+                <a:ea typeface="微软雅黑" pitchFamily="34" charset="-122"/>
+              </a:rPr>
+              <a:t>启动</a:t>
+            </a:r>
+            <a:endParaRPr lang="en-US" altLang="zh-CN" sz="1200" dirty="0" smtClean="0">
+              <a:latin typeface="微软雅黑" pitchFamily="34" charset="-122"/>
+              <a:ea typeface="微软雅黑" pitchFamily="34" charset="-122"/>
+            </a:endParaRPr>
+          </a:p>
+          <a:p>
+            <a:pPr marL="0" indent="0">
+              <a:buNone/>
+            </a:pPr>
+            <a:r>
+              <a:rPr lang="en-US" altLang="zh-CN" sz="1200" dirty="0">
+                <a:latin typeface="微软雅黑" pitchFamily="34" charset="-122"/>
+                <a:ea typeface="微软雅黑" pitchFamily="34" charset="-122"/>
+              </a:rPr>
+              <a:t>        /</a:t>
+            </a:r>
+            <a:r>
+              <a:rPr lang="en-US" altLang="zh-CN" sz="1200" dirty="0" err="1">
+                <a:latin typeface="微软雅黑" pitchFamily="34" charset="-122"/>
+                <a:ea typeface="微软雅黑" pitchFamily="34" charset="-122"/>
+              </a:rPr>
+              <a:t>usr</a:t>
+            </a:r>
+            <a:r>
+              <a:rPr lang="en-US" altLang="zh-CN" sz="1200" dirty="0">
+                <a:latin typeface="微软雅黑" pitchFamily="34" charset="-122"/>
+                <a:ea typeface="微软雅黑" pitchFamily="34" charset="-122"/>
+              </a:rPr>
+              <a:t>/local/</a:t>
+            </a:r>
+            <a:r>
+              <a:rPr lang="en-US" altLang="zh-CN" sz="1200" dirty="0" err="1">
+                <a:latin typeface="微软雅黑" pitchFamily="34" charset="-122"/>
+                <a:ea typeface="微软雅黑" pitchFamily="34" charset="-122"/>
+              </a:rPr>
+              <a:t>redis</a:t>
+            </a:r>
+            <a:r>
+              <a:rPr lang="en-US" altLang="zh-CN" sz="1200" dirty="0">
+                <a:latin typeface="微软雅黑" pitchFamily="34" charset="-122"/>
+                <a:ea typeface="微软雅黑" pitchFamily="34" charset="-122"/>
+              </a:rPr>
+              <a:t>/bin/</a:t>
+            </a:r>
+            <a:r>
+              <a:rPr lang="en-US" altLang="zh-CN" sz="1200" dirty="0" err="1">
+                <a:latin typeface="微软雅黑" pitchFamily="34" charset="-122"/>
+                <a:ea typeface="微软雅黑" pitchFamily="34" charset="-122"/>
+              </a:rPr>
+              <a:t>redis</a:t>
+            </a:r>
+            <a:r>
+              <a:rPr lang="en-US" altLang="zh-CN" sz="1200" dirty="0">
+                <a:latin typeface="微软雅黑" pitchFamily="34" charset="-122"/>
+                <a:ea typeface="微软雅黑" pitchFamily="34" charset="-122"/>
+              </a:rPr>
+              <a:t>-server /</a:t>
+            </a:r>
+            <a:r>
+              <a:rPr lang="en-US" altLang="zh-CN" sz="1200" dirty="0" err="1" smtClean="0">
+                <a:latin typeface="微软雅黑" pitchFamily="34" charset="-122"/>
+                <a:ea typeface="微软雅黑" pitchFamily="34" charset="-122"/>
+              </a:rPr>
+              <a:t>usr</a:t>
+            </a:r>
+            <a:r>
+              <a:rPr lang="en-US" altLang="zh-CN" sz="1200" dirty="0" smtClean="0">
+                <a:latin typeface="微软雅黑" pitchFamily="34" charset="-122"/>
+                <a:ea typeface="微软雅黑" pitchFamily="34" charset="-122"/>
+              </a:rPr>
+              <a:t>/local/</a:t>
+            </a:r>
+            <a:r>
+              <a:rPr lang="en-US" altLang="zh-CN" sz="1200" dirty="0" err="1" smtClean="0">
+                <a:latin typeface="微软雅黑" pitchFamily="34" charset="-122"/>
+                <a:ea typeface="微软雅黑" pitchFamily="34" charset="-122"/>
+              </a:rPr>
+              <a:t>redis</a:t>
+            </a:r>
+            <a:r>
+              <a:rPr lang="en-US" altLang="zh-CN" sz="1200" dirty="0" smtClean="0">
+                <a:latin typeface="微软雅黑" pitchFamily="34" charset="-122"/>
+                <a:ea typeface="微软雅黑" pitchFamily="34" charset="-122"/>
+              </a:rPr>
+              <a:t>/</a:t>
+            </a:r>
+            <a:r>
+              <a:rPr lang="en-US" altLang="zh-CN" sz="1200" dirty="0" err="1" smtClean="0">
+                <a:latin typeface="微软雅黑" pitchFamily="34" charset="-122"/>
+                <a:ea typeface="微软雅黑" pitchFamily="34" charset="-122"/>
+              </a:rPr>
+              <a:t>conf</a:t>
+            </a:r>
+            <a:r>
+              <a:rPr lang="en-US" altLang="zh-CN" sz="1200" dirty="0" smtClean="0">
+                <a:latin typeface="微软雅黑" pitchFamily="34" charset="-122"/>
+                <a:ea typeface="微软雅黑" pitchFamily="34" charset="-122"/>
+              </a:rPr>
+              <a:t>/</a:t>
+            </a:r>
+            <a:r>
+              <a:rPr lang="en-US" altLang="zh-CN" sz="1200" dirty="0" err="1" smtClean="0">
+                <a:latin typeface="微软雅黑" pitchFamily="34" charset="-122"/>
+                <a:ea typeface="微软雅黑" pitchFamily="34" charset="-122"/>
+              </a:rPr>
+              <a:t>redis.conf</a:t>
+            </a:r>
+            <a:endParaRPr lang="en-US" altLang="zh-CN" sz="1200" dirty="0" smtClean="0">
+              <a:latin typeface="微软雅黑" pitchFamily="34" charset="-122"/>
+              <a:ea typeface="微软雅黑" pitchFamily="34" charset="-122"/>
+            </a:endParaRPr>
+          </a:p>
+          <a:p>
+            <a:pPr marL="0" indent="0">
+              <a:buNone/>
+            </a:pPr>
+            <a:r>
+              <a:rPr lang="en-US" altLang="zh-CN" sz="1200" dirty="0" smtClean="0">
+                <a:latin typeface="微软雅黑" pitchFamily="34" charset="-122"/>
+                <a:ea typeface="微软雅黑" pitchFamily="34" charset="-122"/>
+              </a:rPr>
+              <a:t> (8) </a:t>
+            </a:r>
+            <a:r>
+              <a:rPr lang="zh-CN" altLang="en-US" sz="1200" dirty="0" smtClean="0">
+                <a:latin typeface="微软雅黑" pitchFamily="34" charset="-122"/>
+                <a:ea typeface="微软雅黑" pitchFamily="34" charset="-122"/>
+              </a:rPr>
+              <a:t>设置开机自启动</a:t>
+            </a:r>
+            <a:endParaRPr lang="en-US" altLang="zh-CN" sz="1200" dirty="0" smtClean="0">
+              <a:latin typeface="微软雅黑" pitchFamily="34" charset="-122"/>
+              <a:ea typeface="微软雅黑" pitchFamily="34" charset="-122"/>
+            </a:endParaRPr>
+          </a:p>
+          <a:p>
+            <a:pPr marL="0" indent="0">
+              <a:buNone/>
+            </a:pPr>
+            <a:r>
+              <a:rPr lang="zh-CN" altLang="en-US" sz="1200" dirty="0" smtClean="0">
+                <a:latin typeface="微软雅黑" pitchFamily="34" charset="-122"/>
+                <a:ea typeface="微软雅黑" pitchFamily="34" charset="-122"/>
+              </a:rPr>
+              <a:t>  将</a:t>
+            </a:r>
+            <a:r>
+              <a:rPr lang="en-US" altLang="zh-CN" sz="1200" dirty="0" smtClean="0">
+                <a:latin typeface="微软雅黑" pitchFamily="34" charset="-122"/>
+                <a:ea typeface="微软雅黑" pitchFamily="34" charset="-122"/>
+              </a:rPr>
+              <a:t>redis-5.0.5/</a:t>
+            </a:r>
+            <a:r>
+              <a:rPr lang="en-US" altLang="zh-CN" sz="1200" dirty="0" err="1" smtClean="0">
+                <a:latin typeface="微软雅黑" pitchFamily="34" charset="-122"/>
+                <a:ea typeface="微软雅黑" pitchFamily="34" charset="-122"/>
+              </a:rPr>
+              <a:t>utils</a:t>
+            </a:r>
+            <a:r>
+              <a:rPr lang="en-US" altLang="zh-CN" sz="1200" dirty="0" smtClean="0">
+                <a:latin typeface="微软雅黑" pitchFamily="34" charset="-122"/>
+                <a:ea typeface="微软雅黑" pitchFamily="34" charset="-122"/>
+              </a:rPr>
+              <a:t>/</a:t>
+            </a:r>
+            <a:r>
+              <a:rPr lang="en-US" altLang="zh-CN" sz="1200" dirty="0" err="1" smtClean="0">
+                <a:latin typeface="微软雅黑" pitchFamily="34" charset="-122"/>
+                <a:ea typeface="微软雅黑" pitchFamily="34" charset="-122"/>
+              </a:rPr>
+              <a:t>redis_init_script</a:t>
+            </a:r>
+            <a:r>
+              <a:rPr lang="zh-CN" altLang="en-US" sz="1200" dirty="0" smtClean="0">
+                <a:latin typeface="微软雅黑" pitchFamily="34" charset="-122"/>
+                <a:ea typeface="微软雅黑" pitchFamily="34" charset="-122"/>
+              </a:rPr>
+              <a:t>拷贝至</a:t>
+            </a:r>
+            <a:r>
+              <a:rPr lang="en-US" altLang="zh-CN" sz="1200" dirty="0" smtClean="0">
+                <a:latin typeface="微软雅黑" pitchFamily="34" charset="-122"/>
+                <a:ea typeface="微软雅黑" pitchFamily="34" charset="-122"/>
+              </a:rPr>
+              <a:t>/</a:t>
+            </a:r>
+            <a:r>
+              <a:rPr lang="en-US" altLang="zh-CN" sz="1200" dirty="0" err="1" smtClean="0">
+                <a:latin typeface="微软雅黑" pitchFamily="34" charset="-122"/>
+                <a:ea typeface="微软雅黑" pitchFamily="34" charset="-122"/>
+              </a:rPr>
+              <a:t>etc</a:t>
+            </a:r>
+            <a:r>
+              <a:rPr lang="en-US" altLang="zh-CN" sz="1200" dirty="0" smtClean="0">
+                <a:latin typeface="微软雅黑" pitchFamily="34" charset="-122"/>
+                <a:ea typeface="微软雅黑" pitchFamily="34" charset="-122"/>
+              </a:rPr>
+              <a:t>/</a:t>
+            </a:r>
+            <a:r>
+              <a:rPr lang="en-US" altLang="zh-CN" sz="1200" dirty="0" err="1" smtClean="0">
+                <a:latin typeface="微软雅黑" pitchFamily="34" charset="-122"/>
+                <a:ea typeface="微软雅黑" pitchFamily="34" charset="-122"/>
+              </a:rPr>
+              <a:t>init.d</a:t>
+            </a:r>
+            <a:r>
+              <a:rPr lang="zh-CN" altLang="en-US" sz="1200" dirty="0" smtClean="0">
+                <a:latin typeface="微软雅黑" pitchFamily="34" charset="-122"/>
+                <a:ea typeface="微软雅黑" pitchFamily="34" charset="-122"/>
+              </a:rPr>
+              <a:t>目录下，并将其重命名为</a:t>
+            </a:r>
+            <a:r>
+              <a:rPr lang="en-US" altLang="zh-CN" sz="1200" dirty="0" err="1" smtClean="0">
+                <a:latin typeface="微软雅黑" pitchFamily="34" charset="-122"/>
+                <a:ea typeface="微软雅黑" pitchFamily="34" charset="-122"/>
+              </a:rPr>
+              <a:t>redis</a:t>
+            </a:r>
+            <a:endParaRPr lang="en-US" altLang="zh-CN" sz="1200" dirty="0" smtClean="0">
+              <a:latin typeface="微软雅黑" pitchFamily="34" charset="-122"/>
+              <a:ea typeface="微软雅黑" pitchFamily="34" charset="-122"/>
+            </a:endParaRPr>
+          </a:p>
+          <a:p>
+            <a:pPr marL="0" indent="0">
+              <a:buNone/>
+            </a:pPr>
+            <a:r>
+              <a:rPr lang="en-US" altLang="zh-CN" sz="1200" dirty="0" smtClean="0">
+                <a:latin typeface="微软雅黑" pitchFamily="34" charset="-122"/>
+                <a:ea typeface="微软雅黑" pitchFamily="34" charset="-122"/>
+              </a:rPr>
+              <a:t> </a:t>
+            </a:r>
+            <a:r>
+              <a:rPr lang="zh-CN" altLang="en-US" sz="1200" dirty="0" smtClean="0">
+                <a:latin typeface="微软雅黑" pitchFamily="34" charset="-122"/>
+                <a:ea typeface="微软雅黑" pitchFamily="34" charset="-122"/>
+              </a:rPr>
+              <a:t>修改其中的变量</a:t>
+            </a:r>
+            <a:endParaRPr lang="en-US" altLang="zh-CN" sz="1200" dirty="0" smtClean="0">
+              <a:latin typeface="微软雅黑" pitchFamily="34" charset="-122"/>
+              <a:ea typeface="微软雅黑" pitchFamily="34" charset="-122"/>
+            </a:endParaRPr>
+          </a:p>
+          <a:p>
+            <a:pPr marL="0" indent="0">
+              <a:buNone/>
+            </a:pPr>
+            <a:r>
+              <a:rPr lang="en-US" altLang="zh-CN" sz="1200" dirty="0" smtClean="0"/>
+              <a:t>  </a:t>
+            </a:r>
+            <a:r>
+              <a:rPr lang="en-US" altLang="zh-CN" sz="1200" dirty="0" err="1" smtClean="0"/>
+              <a:t>chmod</a:t>
+            </a:r>
+            <a:r>
+              <a:rPr lang="en-US" altLang="zh-CN" sz="1200" dirty="0" smtClean="0"/>
+              <a:t> </a:t>
+            </a:r>
+            <a:r>
+              <a:rPr lang="en-US" altLang="zh-CN" sz="1200" dirty="0"/>
+              <a:t>755 </a:t>
+            </a:r>
+            <a:r>
+              <a:rPr lang="en-US" altLang="zh-CN" sz="1200" dirty="0" err="1"/>
+              <a:t>redis</a:t>
+            </a:r>
+            <a:r>
+              <a:rPr lang="en-US" altLang="zh-CN" sz="1200" dirty="0"/>
+              <a:t> </a:t>
+            </a:r>
+            <a:endParaRPr lang="en-US" altLang="zh-CN" sz="1200" dirty="0" smtClean="0"/>
+          </a:p>
+          <a:p>
+            <a:pPr marL="0" indent="0">
+              <a:buNone/>
+            </a:pPr>
+            <a:r>
+              <a:rPr lang="en-US" altLang="zh-CN" sz="1200" dirty="0" smtClean="0"/>
+              <a:t>  </a:t>
+            </a:r>
+            <a:r>
+              <a:rPr lang="en-US" altLang="zh-CN" sz="1200" dirty="0" err="1" smtClean="0"/>
+              <a:t>chkconfig</a:t>
+            </a:r>
+            <a:r>
+              <a:rPr lang="en-US" altLang="zh-CN" sz="1200" dirty="0" smtClean="0"/>
+              <a:t> </a:t>
+            </a:r>
+            <a:r>
+              <a:rPr lang="en-US" altLang="zh-CN" sz="1200" dirty="0" err="1"/>
+              <a:t>redis</a:t>
+            </a:r>
+            <a:r>
+              <a:rPr lang="en-US" altLang="zh-CN" sz="1200" dirty="0"/>
+              <a:t> on </a:t>
+            </a:r>
+            <a:endParaRPr lang="en-US" altLang="zh-CN" sz="1200" dirty="0" smtClean="0"/>
+          </a:p>
+          <a:p>
+            <a:pPr marL="0" indent="0">
+              <a:buNone/>
+            </a:pPr>
+            <a:r>
+              <a:rPr lang="en-US" altLang="zh-CN" sz="1200" dirty="0" smtClean="0"/>
+              <a:t>  service </a:t>
+            </a:r>
+            <a:r>
+              <a:rPr lang="en-US" altLang="zh-CN" sz="1200" dirty="0" err="1"/>
+              <a:t>redis</a:t>
+            </a:r>
+            <a:r>
+              <a:rPr lang="en-US" altLang="zh-CN" sz="1200" dirty="0"/>
+              <a:t> start</a:t>
+            </a:r>
+            <a:endParaRPr lang="en-US" altLang="zh-CN" sz="1200" dirty="0" smtClean="0">
+              <a:latin typeface="微软雅黑" pitchFamily="34" charset="-122"/>
+              <a:ea typeface="微软雅黑" pitchFamily="34" charset="-122"/>
+            </a:endParaRPr>
+          </a:p>
+          <a:p>
+            <a:pPr marL="0" indent="0">
+              <a:buNone/>
+            </a:pPr>
+            <a:endParaRPr lang="en-US" altLang="zh-CN" sz="1400" dirty="0" smtClean="0">
+              <a:latin typeface="微软雅黑" pitchFamily="34" charset="-122"/>
+              <a:ea typeface="微软雅黑" pitchFamily="34" charset="-122"/>
+            </a:endParaRPr>
+          </a:p>
+          <a:p>
+            <a:pPr marL="0" indent="0">
+              <a:buNone/>
+            </a:pPr>
+            <a:r>
+              <a:rPr lang="en-US" altLang="zh-CN" sz="1400" dirty="0" smtClean="0">
+                <a:latin typeface="微软雅黑" pitchFamily="34" charset="-122"/>
+                <a:ea typeface="微软雅黑" pitchFamily="34" charset="-122"/>
+              </a:rPr>
+              <a:t>         </a:t>
+            </a:r>
+            <a:endParaRPr lang="zh-CN" altLang="en-US" sz="1400" dirty="0">
+              <a:latin typeface="微软雅黑" pitchFamily="34" charset="-122"/>
+              <a:ea typeface="微软雅黑" pitchFamily="34" charset="-122"/>
+            </a:endParaRPr>
+          </a:p>
+        </p:txBody>
+      </p:sp>
+    </p:spTree>
+    <p:extLst>
+      <p:ext uri="{BB962C8B-B14F-4D97-AF65-F5344CB8AC3E}">
+        <p14:creationId xmlns:p14="http://schemas.microsoft.com/office/powerpoint/2010/main" val="2352372338"/>
+      </p:ext>
+    </p:extLst>
+  </p:cSld>
+  <p:clrMapOvr>
+    <a:masterClrMapping/>
+  </p:clrMapOvr>
+</p:sld>
+</file>
+
+<file path=ppt/slides/slide4.xml><?xml version="1.0" encoding="utf-8"?>
+<p:sld xmlns:a="http://schemas.openxmlformats.org/drawingml/2006/main" xmlns:r="http://schemas.openxmlformats.org/officeDocument/2006/relationships" xmlns:p="http://schemas.openxmlformats.org/presentationml/2006/main">
+  <p:cSld>
+    <p:spTree>
+      <p:nvGrpSpPr>
+        <p:cNvPr id="1" name=""/>
+        <p:cNvGrpSpPr/>
+        <p:nvPr/>
+      </p:nvGrpSpPr>
+      <p:grpSpPr>
+        <a:xfrm>
+          <a:off x="0" y="0"/>
+          <a:ext cx="0" cy="0"/>
+          <a:chOff x="0" y="0"/>
+          <a:chExt cx="0" cy="0"/>
+        </a:xfrm>
+      </p:grpSpPr>
+      <p:sp>
+        <p:nvSpPr>
+          <p:cNvPr id="2" name="标题 1"/>
+          <p:cNvSpPr>
+            <a:spLocks noGrp="1"/>
+          </p:cNvSpPr>
+          <p:nvPr>
+            <p:ph type="title"/>
+          </p:nvPr>
+        </p:nvSpPr>
+        <p:spPr/>
+        <p:txBody>
+          <a:bodyPr/>
+          <a:lstStyle/>
+          <a:p>
+            <a:r>
+              <a:rPr lang="en-US" altLang="zh-CN" dirty="0" err="1" smtClean="0"/>
+              <a:t>Redis</a:t>
+            </a:r>
+            <a:r>
               <a:rPr lang="zh-CN" altLang="en-US" dirty="0"/>
               <a:t>安装</a:t>
             </a:r>
@@ -5938,7 +6022,7 @@
 </p:sld>
 </file>
 
-<file path=ppt/slides/slide4.xml><?xml version="1.0" encoding="utf-8"?>
+<file path=ppt/slides/slide5.xml><?xml version="1.0" encoding="utf-8"?>
 <p:sld xmlns:a="http://schemas.openxmlformats.org/drawingml/2006/main" xmlns:r="http://schemas.openxmlformats.org/officeDocument/2006/relationships" xmlns:p="http://schemas.openxmlformats.org/presentationml/2006/main">
   <p:cSld>
     <p:spTree>
